--- a/PPT/Class period 2-Ethic1.pptx
+++ b/PPT/Class period 2-Ethic1.pptx
@@ -213,7 +213,7 @@
           <a:p>
             <a:fld id="{EC866AB0-8578-4C93-94CB-CF8B2D5AB2F6}" type="datetimeFigureOut">
               <a:rPr lang="en-US" smtClean="0"/>
-              <a:t>5/15/2024</a:t>
+              <a:t>6/17/2024</a:t>
             </a:fld>
             <a:endParaRPr lang="en-US"/>
           </a:p>
@@ -795,7 +795,7 @@
           <a:p>
             <a:fld id="{1B9B66AE-5379-4E3B-BF77-B8C3EA8758C9}" type="datetimeFigureOut">
               <a:rPr lang="en-US" smtClean="0"/>
-              <a:t>5/15/2024</a:t>
+              <a:t>6/17/2024</a:t>
             </a:fld>
             <a:endParaRPr lang="en-US"/>
           </a:p>
@@ -993,7 +993,7 @@
           <a:p>
             <a:fld id="{1B9B66AE-5379-4E3B-BF77-B8C3EA8758C9}" type="datetimeFigureOut">
               <a:rPr lang="en-US" smtClean="0"/>
-              <a:t>5/15/2024</a:t>
+              <a:t>6/17/2024</a:t>
             </a:fld>
             <a:endParaRPr lang="en-US"/>
           </a:p>
@@ -1201,7 +1201,7 @@
           <a:p>
             <a:fld id="{1B9B66AE-5379-4E3B-BF77-B8C3EA8758C9}" type="datetimeFigureOut">
               <a:rPr lang="en-US" smtClean="0"/>
-              <a:t>5/15/2024</a:t>
+              <a:t>6/17/2024</a:t>
             </a:fld>
             <a:endParaRPr lang="en-US"/>
           </a:p>
@@ -1399,7 +1399,7 @@
           <a:p>
             <a:fld id="{1B9B66AE-5379-4E3B-BF77-B8C3EA8758C9}" type="datetimeFigureOut">
               <a:rPr lang="en-US" smtClean="0"/>
-              <a:t>5/15/2024</a:t>
+              <a:t>6/17/2024</a:t>
             </a:fld>
             <a:endParaRPr lang="en-US"/>
           </a:p>
@@ -1674,7 +1674,7 @@
           <a:p>
             <a:fld id="{1B9B66AE-5379-4E3B-BF77-B8C3EA8758C9}" type="datetimeFigureOut">
               <a:rPr lang="en-US" smtClean="0"/>
-              <a:t>5/15/2024</a:t>
+              <a:t>6/17/2024</a:t>
             </a:fld>
             <a:endParaRPr lang="en-US"/>
           </a:p>
@@ -1939,7 +1939,7 @@
           <a:p>
             <a:fld id="{1B9B66AE-5379-4E3B-BF77-B8C3EA8758C9}" type="datetimeFigureOut">
               <a:rPr lang="en-US" smtClean="0"/>
-              <a:t>5/15/2024</a:t>
+              <a:t>6/17/2024</a:t>
             </a:fld>
             <a:endParaRPr lang="en-US"/>
           </a:p>
@@ -2351,7 +2351,7 @@
           <a:p>
             <a:fld id="{1B9B66AE-5379-4E3B-BF77-B8C3EA8758C9}" type="datetimeFigureOut">
               <a:rPr lang="en-US" smtClean="0"/>
-              <a:t>5/15/2024</a:t>
+              <a:t>6/17/2024</a:t>
             </a:fld>
             <a:endParaRPr lang="en-US"/>
           </a:p>
@@ -2492,7 +2492,7 @@
           <a:p>
             <a:fld id="{1B9B66AE-5379-4E3B-BF77-B8C3EA8758C9}" type="datetimeFigureOut">
               <a:rPr lang="en-US" smtClean="0"/>
-              <a:t>5/15/2024</a:t>
+              <a:t>6/17/2024</a:t>
             </a:fld>
             <a:endParaRPr lang="en-US"/>
           </a:p>
@@ -2605,7 +2605,7 @@
           <a:p>
             <a:fld id="{1B9B66AE-5379-4E3B-BF77-B8C3EA8758C9}" type="datetimeFigureOut">
               <a:rPr lang="en-US" smtClean="0"/>
-              <a:t>5/15/2024</a:t>
+              <a:t>6/17/2024</a:t>
             </a:fld>
             <a:endParaRPr lang="en-US"/>
           </a:p>
@@ -2916,7 +2916,7 @@
           <a:p>
             <a:fld id="{1B9B66AE-5379-4E3B-BF77-B8C3EA8758C9}" type="datetimeFigureOut">
               <a:rPr lang="en-US" smtClean="0"/>
-              <a:t>5/15/2024</a:t>
+              <a:t>6/17/2024</a:t>
             </a:fld>
             <a:endParaRPr lang="en-US"/>
           </a:p>
@@ -3204,7 +3204,7 @@
           <a:p>
             <a:fld id="{1B9B66AE-5379-4E3B-BF77-B8C3EA8758C9}" type="datetimeFigureOut">
               <a:rPr lang="en-US" smtClean="0"/>
-              <a:t>5/15/2024</a:t>
+              <a:t>6/17/2024</a:t>
             </a:fld>
             <a:endParaRPr lang="en-US"/>
           </a:p>
@@ -3445,7 +3445,7 @@
           <a:p>
             <a:fld id="{1B9B66AE-5379-4E3B-BF77-B8C3EA8758C9}" type="datetimeFigureOut">
               <a:rPr lang="en-US" smtClean="0"/>
-              <a:t>5/15/2024</a:t>
+              <a:t>6/17/2024</a:t>
             </a:fld>
             <a:endParaRPr lang="en-US"/>
           </a:p>
@@ -4113,6 +4113,168 @@
           </a:prstGeom>
         </p:spPr>
       </p:pic>
+      <p:sp>
+        <p:nvSpPr>
+          <p:cNvPr id="7" name="Content Placeholder 2">
+            <a:extLst>
+              <a:ext uri="{FF2B5EF4-FFF2-40B4-BE49-F238E27FC236}">
+                <a16:creationId xmlns:a16="http://schemas.microsoft.com/office/drawing/2014/main" id="{A759ED78-3594-7CBA-3152-583D7450D82B}"/>
+              </a:ext>
+            </a:extLst>
+          </p:cNvPr>
+          <p:cNvSpPr txBox="1">
+            <a:spLocks/>
+          </p:cNvSpPr>
+          <p:nvPr/>
+        </p:nvSpPr>
+        <p:spPr>
+          <a:xfrm>
+            <a:off x="139700" y="6142311"/>
+            <a:ext cx="5410200" cy="414367"/>
+          </a:xfrm>
+          <a:prstGeom prst="rect">
+            <a:avLst/>
+          </a:prstGeom>
+        </p:spPr>
+        <p:txBody>
+          <a:bodyPr vert="horz" lIns="91440" tIns="45720" rIns="91440" bIns="45720" rtlCol="0">
+            <a:noAutofit/>
+          </a:bodyPr>
+          <a:lstStyle>
+            <a:defPPr>
+              <a:defRPr lang="en-US"/>
+            </a:defPPr>
+            <a:lvl1pPr marL="0" algn="l" defTabSz="914400" rtl="0" eaLnBrk="1" latinLnBrk="0" hangingPunct="1">
+              <a:defRPr sz="1800" kern="1200">
+                <a:solidFill>
+                  <a:schemeClr val="tx1"/>
+                </a:solidFill>
+                <a:latin typeface="+mn-lt"/>
+                <a:ea typeface="+mn-ea"/>
+                <a:cs typeface="+mn-cs"/>
+              </a:defRPr>
+            </a:lvl1pPr>
+            <a:lvl2pPr marL="457200" algn="l" defTabSz="914400" rtl="0" eaLnBrk="1" latinLnBrk="0" hangingPunct="1">
+              <a:defRPr sz="1800" kern="1200">
+                <a:solidFill>
+                  <a:schemeClr val="tx1"/>
+                </a:solidFill>
+                <a:latin typeface="+mn-lt"/>
+                <a:ea typeface="+mn-ea"/>
+                <a:cs typeface="+mn-cs"/>
+              </a:defRPr>
+            </a:lvl2pPr>
+            <a:lvl3pPr marL="914400" algn="l" defTabSz="914400" rtl="0" eaLnBrk="1" latinLnBrk="0" hangingPunct="1">
+              <a:defRPr sz="1800" kern="1200">
+                <a:solidFill>
+                  <a:schemeClr val="tx1"/>
+                </a:solidFill>
+                <a:latin typeface="+mn-lt"/>
+                <a:ea typeface="+mn-ea"/>
+                <a:cs typeface="+mn-cs"/>
+              </a:defRPr>
+            </a:lvl3pPr>
+            <a:lvl4pPr marL="1371600" algn="l" defTabSz="914400" rtl="0" eaLnBrk="1" latinLnBrk="0" hangingPunct="1">
+              <a:defRPr sz="1800" kern="1200">
+                <a:solidFill>
+                  <a:schemeClr val="tx1"/>
+                </a:solidFill>
+                <a:latin typeface="+mn-lt"/>
+                <a:ea typeface="+mn-ea"/>
+                <a:cs typeface="+mn-cs"/>
+              </a:defRPr>
+            </a:lvl4pPr>
+            <a:lvl5pPr marL="1828800" algn="l" defTabSz="914400" rtl="0" eaLnBrk="1" latinLnBrk="0" hangingPunct="1">
+              <a:defRPr sz="1800" kern="1200">
+                <a:solidFill>
+                  <a:schemeClr val="tx1"/>
+                </a:solidFill>
+                <a:latin typeface="+mn-lt"/>
+                <a:ea typeface="+mn-ea"/>
+                <a:cs typeface="+mn-cs"/>
+              </a:defRPr>
+            </a:lvl5pPr>
+            <a:lvl6pPr marL="2286000" algn="l" defTabSz="914400" rtl="0" eaLnBrk="1" latinLnBrk="0" hangingPunct="1">
+              <a:defRPr sz="1800" kern="1200">
+                <a:solidFill>
+                  <a:schemeClr val="tx1"/>
+                </a:solidFill>
+                <a:latin typeface="+mn-lt"/>
+                <a:ea typeface="+mn-ea"/>
+                <a:cs typeface="+mn-cs"/>
+              </a:defRPr>
+            </a:lvl6pPr>
+            <a:lvl7pPr marL="2743200" algn="l" defTabSz="914400" rtl="0" eaLnBrk="1" latinLnBrk="0" hangingPunct="1">
+              <a:defRPr sz="1800" kern="1200">
+                <a:solidFill>
+                  <a:schemeClr val="tx1"/>
+                </a:solidFill>
+                <a:latin typeface="+mn-lt"/>
+                <a:ea typeface="+mn-ea"/>
+                <a:cs typeface="+mn-cs"/>
+              </a:defRPr>
+            </a:lvl7pPr>
+            <a:lvl8pPr marL="3200400" algn="l" defTabSz="914400" rtl="0" eaLnBrk="1" latinLnBrk="0" hangingPunct="1">
+              <a:defRPr sz="1800" kern="1200">
+                <a:solidFill>
+                  <a:schemeClr val="tx1"/>
+                </a:solidFill>
+                <a:latin typeface="+mn-lt"/>
+                <a:ea typeface="+mn-ea"/>
+                <a:cs typeface="+mn-cs"/>
+              </a:defRPr>
+            </a:lvl8pPr>
+            <a:lvl9pPr marL="3657600" algn="l" defTabSz="914400" rtl="0" eaLnBrk="1" latinLnBrk="0" hangingPunct="1">
+              <a:defRPr sz="1800" kern="1200">
+                <a:solidFill>
+                  <a:schemeClr val="tx1"/>
+                </a:solidFill>
+                <a:latin typeface="+mn-lt"/>
+                <a:ea typeface="+mn-ea"/>
+                <a:cs typeface="+mn-cs"/>
+              </a:defRPr>
+            </a:lvl9pPr>
+          </a:lstStyle>
+          <a:p>
+            <a:pPr algn="l"/>
+            <a:r>
+              <a:rPr lang="th-TH" sz="2400" dirty="0">
+                <a:latin typeface="TH SarabunPSK" panose="020B0500040200020003" pitchFamily="34" charset="-34"/>
+                <a:cs typeface="TH SarabunPSK" panose="020B0500040200020003" pitchFamily="34" charset="-34"/>
+              </a:rPr>
+              <a:t>โดย ผศ</a:t>
+            </a:r>
+            <a:r>
+              <a:rPr lang="en-US" sz="2400" dirty="0">
+                <a:latin typeface="TH SarabunPSK" panose="020B0500040200020003" pitchFamily="34" charset="-34"/>
+                <a:cs typeface="TH SarabunPSK" panose="020B0500040200020003" pitchFamily="34" charset="-34"/>
+              </a:rPr>
+              <a:t>. </a:t>
+            </a:r>
+            <a:r>
+              <a:rPr lang="th-TH" sz="2400" dirty="0">
+                <a:latin typeface="TH SarabunPSK" panose="020B0500040200020003" pitchFamily="34" charset="-34"/>
+                <a:cs typeface="TH SarabunPSK" panose="020B0500040200020003" pitchFamily="34" charset="-34"/>
+              </a:rPr>
+              <a:t>ดร</a:t>
+            </a:r>
+            <a:r>
+              <a:rPr lang="en-US" sz="2400" dirty="0">
+                <a:latin typeface="TH SarabunPSK" panose="020B0500040200020003" pitchFamily="34" charset="-34"/>
+                <a:cs typeface="TH SarabunPSK" panose="020B0500040200020003" pitchFamily="34" charset="-34"/>
+              </a:rPr>
+              <a:t>.</a:t>
+            </a:r>
+            <a:r>
+              <a:rPr lang="th-TH" sz="2400" dirty="0">
+                <a:latin typeface="TH SarabunPSK" panose="020B0500040200020003" pitchFamily="34" charset="-34"/>
+                <a:cs typeface="TH SarabunPSK" panose="020B0500040200020003" pitchFamily="34" charset="-34"/>
+              </a:rPr>
+              <a:t>ธนพงศ์ อินทระ สาขาวิชาสถิติ มหาวิทยาลัยขอนแก่น </a:t>
+            </a:r>
+          </a:p>
+        </p:txBody>
+      </p:sp>
     </p:spTree>
     <p:extLst>
       <p:ext uri="{BB962C8B-B14F-4D97-AF65-F5344CB8AC3E}">
@@ -5010,6 +5172,168 @@
           </a:p>
         </p:txBody>
       </p:sp>
+      <p:sp>
+        <p:nvSpPr>
+          <p:cNvPr id="9" name="Content Placeholder 2">
+            <a:extLst>
+              <a:ext uri="{FF2B5EF4-FFF2-40B4-BE49-F238E27FC236}">
+                <a16:creationId xmlns:a16="http://schemas.microsoft.com/office/drawing/2014/main" id="{973F9742-B516-D08E-D3D7-85B2F81CAB51}"/>
+              </a:ext>
+            </a:extLst>
+          </p:cNvPr>
+          <p:cNvSpPr txBox="1">
+            <a:spLocks/>
+          </p:cNvSpPr>
+          <p:nvPr/>
+        </p:nvSpPr>
+        <p:spPr>
+          <a:xfrm>
+            <a:off x="114677" y="6443633"/>
+            <a:ext cx="5410200" cy="414367"/>
+          </a:xfrm>
+          <a:prstGeom prst="rect">
+            <a:avLst/>
+          </a:prstGeom>
+        </p:spPr>
+        <p:txBody>
+          <a:bodyPr vert="horz" lIns="91440" tIns="45720" rIns="91440" bIns="45720" rtlCol="0">
+            <a:noAutofit/>
+          </a:bodyPr>
+          <a:lstStyle>
+            <a:defPPr>
+              <a:defRPr lang="en-US"/>
+            </a:defPPr>
+            <a:lvl1pPr marL="0" algn="l" defTabSz="914400" rtl="0" eaLnBrk="1" latinLnBrk="0" hangingPunct="1">
+              <a:defRPr sz="1800" kern="1200">
+                <a:solidFill>
+                  <a:schemeClr val="tx1"/>
+                </a:solidFill>
+                <a:latin typeface="+mn-lt"/>
+                <a:ea typeface="+mn-ea"/>
+                <a:cs typeface="+mn-cs"/>
+              </a:defRPr>
+            </a:lvl1pPr>
+            <a:lvl2pPr marL="457200" algn="l" defTabSz="914400" rtl="0" eaLnBrk="1" latinLnBrk="0" hangingPunct="1">
+              <a:defRPr sz="1800" kern="1200">
+                <a:solidFill>
+                  <a:schemeClr val="tx1"/>
+                </a:solidFill>
+                <a:latin typeface="+mn-lt"/>
+                <a:ea typeface="+mn-ea"/>
+                <a:cs typeface="+mn-cs"/>
+              </a:defRPr>
+            </a:lvl2pPr>
+            <a:lvl3pPr marL="914400" algn="l" defTabSz="914400" rtl="0" eaLnBrk="1" latinLnBrk="0" hangingPunct="1">
+              <a:defRPr sz="1800" kern="1200">
+                <a:solidFill>
+                  <a:schemeClr val="tx1"/>
+                </a:solidFill>
+                <a:latin typeface="+mn-lt"/>
+                <a:ea typeface="+mn-ea"/>
+                <a:cs typeface="+mn-cs"/>
+              </a:defRPr>
+            </a:lvl3pPr>
+            <a:lvl4pPr marL="1371600" algn="l" defTabSz="914400" rtl="0" eaLnBrk="1" latinLnBrk="0" hangingPunct="1">
+              <a:defRPr sz="1800" kern="1200">
+                <a:solidFill>
+                  <a:schemeClr val="tx1"/>
+                </a:solidFill>
+                <a:latin typeface="+mn-lt"/>
+                <a:ea typeface="+mn-ea"/>
+                <a:cs typeface="+mn-cs"/>
+              </a:defRPr>
+            </a:lvl4pPr>
+            <a:lvl5pPr marL="1828800" algn="l" defTabSz="914400" rtl="0" eaLnBrk="1" latinLnBrk="0" hangingPunct="1">
+              <a:defRPr sz="1800" kern="1200">
+                <a:solidFill>
+                  <a:schemeClr val="tx1"/>
+                </a:solidFill>
+                <a:latin typeface="+mn-lt"/>
+                <a:ea typeface="+mn-ea"/>
+                <a:cs typeface="+mn-cs"/>
+              </a:defRPr>
+            </a:lvl5pPr>
+            <a:lvl6pPr marL="2286000" algn="l" defTabSz="914400" rtl="0" eaLnBrk="1" latinLnBrk="0" hangingPunct="1">
+              <a:defRPr sz="1800" kern="1200">
+                <a:solidFill>
+                  <a:schemeClr val="tx1"/>
+                </a:solidFill>
+                <a:latin typeface="+mn-lt"/>
+                <a:ea typeface="+mn-ea"/>
+                <a:cs typeface="+mn-cs"/>
+              </a:defRPr>
+            </a:lvl6pPr>
+            <a:lvl7pPr marL="2743200" algn="l" defTabSz="914400" rtl="0" eaLnBrk="1" latinLnBrk="0" hangingPunct="1">
+              <a:defRPr sz="1800" kern="1200">
+                <a:solidFill>
+                  <a:schemeClr val="tx1"/>
+                </a:solidFill>
+                <a:latin typeface="+mn-lt"/>
+                <a:ea typeface="+mn-ea"/>
+                <a:cs typeface="+mn-cs"/>
+              </a:defRPr>
+            </a:lvl7pPr>
+            <a:lvl8pPr marL="3200400" algn="l" defTabSz="914400" rtl="0" eaLnBrk="1" latinLnBrk="0" hangingPunct="1">
+              <a:defRPr sz="1800" kern="1200">
+                <a:solidFill>
+                  <a:schemeClr val="tx1"/>
+                </a:solidFill>
+                <a:latin typeface="+mn-lt"/>
+                <a:ea typeface="+mn-ea"/>
+                <a:cs typeface="+mn-cs"/>
+              </a:defRPr>
+            </a:lvl8pPr>
+            <a:lvl9pPr marL="3657600" algn="l" defTabSz="914400" rtl="0" eaLnBrk="1" latinLnBrk="0" hangingPunct="1">
+              <a:defRPr sz="1800" kern="1200">
+                <a:solidFill>
+                  <a:schemeClr val="tx1"/>
+                </a:solidFill>
+                <a:latin typeface="+mn-lt"/>
+                <a:ea typeface="+mn-ea"/>
+                <a:cs typeface="+mn-cs"/>
+              </a:defRPr>
+            </a:lvl9pPr>
+          </a:lstStyle>
+          <a:p>
+            <a:pPr algn="l"/>
+            <a:r>
+              <a:rPr lang="th-TH" sz="2400" dirty="0">
+                <a:latin typeface="TH SarabunPSK" panose="020B0500040200020003" pitchFamily="34" charset="-34"/>
+                <a:cs typeface="TH SarabunPSK" panose="020B0500040200020003" pitchFamily="34" charset="-34"/>
+              </a:rPr>
+              <a:t>โดย ผศ</a:t>
+            </a:r>
+            <a:r>
+              <a:rPr lang="en-US" sz="2400" dirty="0">
+                <a:latin typeface="TH SarabunPSK" panose="020B0500040200020003" pitchFamily="34" charset="-34"/>
+                <a:cs typeface="TH SarabunPSK" panose="020B0500040200020003" pitchFamily="34" charset="-34"/>
+              </a:rPr>
+              <a:t>. </a:t>
+            </a:r>
+            <a:r>
+              <a:rPr lang="th-TH" sz="2400" dirty="0">
+                <a:latin typeface="TH SarabunPSK" panose="020B0500040200020003" pitchFamily="34" charset="-34"/>
+                <a:cs typeface="TH SarabunPSK" panose="020B0500040200020003" pitchFamily="34" charset="-34"/>
+              </a:rPr>
+              <a:t>ดร</a:t>
+            </a:r>
+            <a:r>
+              <a:rPr lang="en-US" sz="2400" dirty="0">
+                <a:latin typeface="TH SarabunPSK" panose="020B0500040200020003" pitchFamily="34" charset="-34"/>
+                <a:cs typeface="TH SarabunPSK" panose="020B0500040200020003" pitchFamily="34" charset="-34"/>
+              </a:rPr>
+              <a:t>.</a:t>
+            </a:r>
+            <a:r>
+              <a:rPr lang="th-TH" sz="2400" dirty="0">
+                <a:latin typeface="TH SarabunPSK" panose="020B0500040200020003" pitchFamily="34" charset="-34"/>
+                <a:cs typeface="TH SarabunPSK" panose="020B0500040200020003" pitchFamily="34" charset="-34"/>
+              </a:rPr>
+              <a:t>ธนพงศ์ อินทระ สาขาวิชาสถิติ มหาวิทยาลัยขอนแก่น </a:t>
+            </a:r>
+          </a:p>
+        </p:txBody>
+      </p:sp>
     </p:spTree>
     <p:extLst>
       <p:ext uri="{BB962C8B-B14F-4D97-AF65-F5344CB8AC3E}">
@@ -5716,6 +6040,168 @@
           </a:p>
         </p:txBody>
       </p:sp>
+      <p:sp>
+        <p:nvSpPr>
+          <p:cNvPr id="9" name="Content Placeholder 2">
+            <a:extLst>
+              <a:ext uri="{FF2B5EF4-FFF2-40B4-BE49-F238E27FC236}">
+                <a16:creationId xmlns:a16="http://schemas.microsoft.com/office/drawing/2014/main" id="{3868CF63-E92E-3F1B-6AF3-7C83E3B4EE2C}"/>
+              </a:ext>
+            </a:extLst>
+          </p:cNvPr>
+          <p:cNvSpPr txBox="1">
+            <a:spLocks/>
+          </p:cNvSpPr>
+          <p:nvPr/>
+        </p:nvSpPr>
+        <p:spPr>
+          <a:xfrm>
+            <a:off x="114677" y="6443633"/>
+            <a:ext cx="5410200" cy="414367"/>
+          </a:xfrm>
+          <a:prstGeom prst="rect">
+            <a:avLst/>
+          </a:prstGeom>
+        </p:spPr>
+        <p:txBody>
+          <a:bodyPr vert="horz" lIns="91440" tIns="45720" rIns="91440" bIns="45720" rtlCol="0">
+            <a:noAutofit/>
+          </a:bodyPr>
+          <a:lstStyle>
+            <a:defPPr>
+              <a:defRPr lang="en-US"/>
+            </a:defPPr>
+            <a:lvl1pPr marL="0" algn="l" defTabSz="914400" rtl="0" eaLnBrk="1" latinLnBrk="0" hangingPunct="1">
+              <a:defRPr sz="1800" kern="1200">
+                <a:solidFill>
+                  <a:schemeClr val="tx1"/>
+                </a:solidFill>
+                <a:latin typeface="+mn-lt"/>
+                <a:ea typeface="+mn-ea"/>
+                <a:cs typeface="+mn-cs"/>
+              </a:defRPr>
+            </a:lvl1pPr>
+            <a:lvl2pPr marL="457200" algn="l" defTabSz="914400" rtl="0" eaLnBrk="1" latinLnBrk="0" hangingPunct="1">
+              <a:defRPr sz="1800" kern="1200">
+                <a:solidFill>
+                  <a:schemeClr val="tx1"/>
+                </a:solidFill>
+                <a:latin typeface="+mn-lt"/>
+                <a:ea typeface="+mn-ea"/>
+                <a:cs typeface="+mn-cs"/>
+              </a:defRPr>
+            </a:lvl2pPr>
+            <a:lvl3pPr marL="914400" algn="l" defTabSz="914400" rtl="0" eaLnBrk="1" latinLnBrk="0" hangingPunct="1">
+              <a:defRPr sz="1800" kern="1200">
+                <a:solidFill>
+                  <a:schemeClr val="tx1"/>
+                </a:solidFill>
+                <a:latin typeface="+mn-lt"/>
+                <a:ea typeface="+mn-ea"/>
+                <a:cs typeface="+mn-cs"/>
+              </a:defRPr>
+            </a:lvl3pPr>
+            <a:lvl4pPr marL="1371600" algn="l" defTabSz="914400" rtl="0" eaLnBrk="1" latinLnBrk="0" hangingPunct="1">
+              <a:defRPr sz="1800" kern="1200">
+                <a:solidFill>
+                  <a:schemeClr val="tx1"/>
+                </a:solidFill>
+                <a:latin typeface="+mn-lt"/>
+                <a:ea typeface="+mn-ea"/>
+                <a:cs typeface="+mn-cs"/>
+              </a:defRPr>
+            </a:lvl4pPr>
+            <a:lvl5pPr marL="1828800" algn="l" defTabSz="914400" rtl="0" eaLnBrk="1" latinLnBrk="0" hangingPunct="1">
+              <a:defRPr sz="1800" kern="1200">
+                <a:solidFill>
+                  <a:schemeClr val="tx1"/>
+                </a:solidFill>
+                <a:latin typeface="+mn-lt"/>
+                <a:ea typeface="+mn-ea"/>
+                <a:cs typeface="+mn-cs"/>
+              </a:defRPr>
+            </a:lvl5pPr>
+            <a:lvl6pPr marL="2286000" algn="l" defTabSz="914400" rtl="0" eaLnBrk="1" latinLnBrk="0" hangingPunct="1">
+              <a:defRPr sz="1800" kern="1200">
+                <a:solidFill>
+                  <a:schemeClr val="tx1"/>
+                </a:solidFill>
+                <a:latin typeface="+mn-lt"/>
+                <a:ea typeface="+mn-ea"/>
+                <a:cs typeface="+mn-cs"/>
+              </a:defRPr>
+            </a:lvl6pPr>
+            <a:lvl7pPr marL="2743200" algn="l" defTabSz="914400" rtl="0" eaLnBrk="1" latinLnBrk="0" hangingPunct="1">
+              <a:defRPr sz="1800" kern="1200">
+                <a:solidFill>
+                  <a:schemeClr val="tx1"/>
+                </a:solidFill>
+                <a:latin typeface="+mn-lt"/>
+                <a:ea typeface="+mn-ea"/>
+                <a:cs typeface="+mn-cs"/>
+              </a:defRPr>
+            </a:lvl7pPr>
+            <a:lvl8pPr marL="3200400" algn="l" defTabSz="914400" rtl="0" eaLnBrk="1" latinLnBrk="0" hangingPunct="1">
+              <a:defRPr sz="1800" kern="1200">
+                <a:solidFill>
+                  <a:schemeClr val="tx1"/>
+                </a:solidFill>
+                <a:latin typeface="+mn-lt"/>
+                <a:ea typeface="+mn-ea"/>
+                <a:cs typeface="+mn-cs"/>
+              </a:defRPr>
+            </a:lvl8pPr>
+            <a:lvl9pPr marL="3657600" algn="l" defTabSz="914400" rtl="0" eaLnBrk="1" latinLnBrk="0" hangingPunct="1">
+              <a:defRPr sz="1800" kern="1200">
+                <a:solidFill>
+                  <a:schemeClr val="tx1"/>
+                </a:solidFill>
+                <a:latin typeface="+mn-lt"/>
+                <a:ea typeface="+mn-ea"/>
+                <a:cs typeface="+mn-cs"/>
+              </a:defRPr>
+            </a:lvl9pPr>
+          </a:lstStyle>
+          <a:p>
+            <a:pPr algn="l"/>
+            <a:r>
+              <a:rPr lang="th-TH" sz="2400" dirty="0">
+                <a:latin typeface="TH SarabunPSK" panose="020B0500040200020003" pitchFamily="34" charset="-34"/>
+                <a:cs typeface="TH SarabunPSK" panose="020B0500040200020003" pitchFamily="34" charset="-34"/>
+              </a:rPr>
+              <a:t>โดย ผศ</a:t>
+            </a:r>
+            <a:r>
+              <a:rPr lang="en-US" sz="2400" dirty="0">
+                <a:latin typeface="TH SarabunPSK" panose="020B0500040200020003" pitchFamily="34" charset="-34"/>
+                <a:cs typeface="TH SarabunPSK" panose="020B0500040200020003" pitchFamily="34" charset="-34"/>
+              </a:rPr>
+              <a:t>. </a:t>
+            </a:r>
+            <a:r>
+              <a:rPr lang="th-TH" sz="2400" dirty="0">
+                <a:latin typeface="TH SarabunPSK" panose="020B0500040200020003" pitchFamily="34" charset="-34"/>
+                <a:cs typeface="TH SarabunPSK" panose="020B0500040200020003" pitchFamily="34" charset="-34"/>
+              </a:rPr>
+              <a:t>ดร</a:t>
+            </a:r>
+            <a:r>
+              <a:rPr lang="en-US" sz="2400" dirty="0">
+                <a:latin typeface="TH SarabunPSK" panose="020B0500040200020003" pitchFamily="34" charset="-34"/>
+                <a:cs typeface="TH SarabunPSK" panose="020B0500040200020003" pitchFamily="34" charset="-34"/>
+              </a:rPr>
+              <a:t>.</a:t>
+            </a:r>
+            <a:r>
+              <a:rPr lang="th-TH" sz="2400" dirty="0">
+                <a:latin typeface="TH SarabunPSK" panose="020B0500040200020003" pitchFamily="34" charset="-34"/>
+                <a:cs typeface="TH SarabunPSK" panose="020B0500040200020003" pitchFamily="34" charset="-34"/>
+              </a:rPr>
+              <a:t>ธนพงศ์ อินทระ สาขาวิชาสถิติ มหาวิทยาลัยขอนแก่น </a:t>
+            </a:r>
+          </a:p>
+        </p:txBody>
+      </p:sp>
     </p:spTree>
     <p:extLst>
       <p:ext uri="{BB962C8B-B14F-4D97-AF65-F5344CB8AC3E}">
@@ -6346,6 +6832,168 @@
           </a:p>
         </p:txBody>
       </p:sp>
+      <p:sp>
+        <p:nvSpPr>
+          <p:cNvPr id="9" name="Content Placeholder 2">
+            <a:extLst>
+              <a:ext uri="{FF2B5EF4-FFF2-40B4-BE49-F238E27FC236}">
+                <a16:creationId xmlns:a16="http://schemas.microsoft.com/office/drawing/2014/main" id="{A91D0382-91AD-F405-270E-F4C7D81C3804}"/>
+              </a:ext>
+            </a:extLst>
+          </p:cNvPr>
+          <p:cNvSpPr txBox="1">
+            <a:spLocks/>
+          </p:cNvSpPr>
+          <p:nvPr/>
+        </p:nvSpPr>
+        <p:spPr>
+          <a:xfrm>
+            <a:off x="114677" y="6443633"/>
+            <a:ext cx="5410200" cy="414367"/>
+          </a:xfrm>
+          <a:prstGeom prst="rect">
+            <a:avLst/>
+          </a:prstGeom>
+        </p:spPr>
+        <p:txBody>
+          <a:bodyPr vert="horz" lIns="91440" tIns="45720" rIns="91440" bIns="45720" rtlCol="0">
+            <a:noAutofit/>
+          </a:bodyPr>
+          <a:lstStyle>
+            <a:defPPr>
+              <a:defRPr lang="en-US"/>
+            </a:defPPr>
+            <a:lvl1pPr marL="0" algn="l" defTabSz="914400" rtl="0" eaLnBrk="1" latinLnBrk="0" hangingPunct="1">
+              <a:defRPr sz="1800" kern="1200">
+                <a:solidFill>
+                  <a:schemeClr val="tx1"/>
+                </a:solidFill>
+                <a:latin typeface="+mn-lt"/>
+                <a:ea typeface="+mn-ea"/>
+                <a:cs typeface="+mn-cs"/>
+              </a:defRPr>
+            </a:lvl1pPr>
+            <a:lvl2pPr marL="457200" algn="l" defTabSz="914400" rtl="0" eaLnBrk="1" latinLnBrk="0" hangingPunct="1">
+              <a:defRPr sz="1800" kern="1200">
+                <a:solidFill>
+                  <a:schemeClr val="tx1"/>
+                </a:solidFill>
+                <a:latin typeface="+mn-lt"/>
+                <a:ea typeface="+mn-ea"/>
+                <a:cs typeface="+mn-cs"/>
+              </a:defRPr>
+            </a:lvl2pPr>
+            <a:lvl3pPr marL="914400" algn="l" defTabSz="914400" rtl="0" eaLnBrk="1" latinLnBrk="0" hangingPunct="1">
+              <a:defRPr sz="1800" kern="1200">
+                <a:solidFill>
+                  <a:schemeClr val="tx1"/>
+                </a:solidFill>
+                <a:latin typeface="+mn-lt"/>
+                <a:ea typeface="+mn-ea"/>
+                <a:cs typeface="+mn-cs"/>
+              </a:defRPr>
+            </a:lvl3pPr>
+            <a:lvl4pPr marL="1371600" algn="l" defTabSz="914400" rtl="0" eaLnBrk="1" latinLnBrk="0" hangingPunct="1">
+              <a:defRPr sz="1800" kern="1200">
+                <a:solidFill>
+                  <a:schemeClr val="tx1"/>
+                </a:solidFill>
+                <a:latin typeface="+mn-lt"/>
+                <a:ea typeface="+mn-ea"/>
+                <a:cs typeface="+mn-cs"/>
+              </a:defRPr>
+            </a:lvl4pPr>
+            <a:lvl5pPr marL="1828800" algn="l" defTabSz="914400" rtl="0" eaLnBrk="1" latinLnBrk="0" hangingPunct="1">
+              <a:defRPr sz="1800" kern="1200">
+                <a:solidFill>
+                  <a:schemeClr val="tx1"/>
+                </a:solidFill>
+                <a:latin typeface="+mn-lt"/>
+                <a:ea typeface="+mn-ea"/>
+                <a:cs typeface="+mn-cs"/>
+              </a:defRPr>
+            </a:lvl5pPr>
+            <a:lvl6pPr marL="2286000" algn="l" defTabSz="914400" rtl="0" eaLnBrk="1" latinLnBrk="0" hangingPunct="1">
+              <a:defRPr sz="1800" kern="1200">
+                <a:solidFill>
+                  <a:schemeClr val="tx1"/>
+                </a:solidFill>
+                <a:latin typeface="+mn-lt"/>
+                <a:ea typeface="+mn-ea"/>
+                <a:cs typeface="+mn-cs"/>
+              </a:defRPr>
+            </a:lvl6pPr>
+            <a:lvl7pPr marL="2743200" algn="l" defTabSz="914400" rtl="0" eaLnBrk="1" latinLnBrk="0" hangingPunct="1">
+              <a:defRPr sz="1800" kern="1200">
+                <a:solidFill>
+                  <a:schemeClr val="tx1"/>
+                </a:solidFill>
+                <a:latin typeface="+mn-lt"/>
+                <a:ea typeface="+mn-ea"/>
+                <a:cs typeface="+mn-cs"/>
+              </a:defRPr>
+            </a:lvl7pPr>
+            <a:lvl8pPr marL="3200400" algn="l" defTabSz="914400" rtl="0" eaLnBrk="1" latinLnBrk="0" hangingPunct="1">
+              <a:defRPr sz="1800" kern="1200">
+                <a:solidFill>
+                  <a:schemeClr val="tx1"/>
+                </a:solidFill>
+                <a:latin typeface="+mn-lt"/>
+                <a:ea typeface="+mn-ea"/>
+                <a:cs typeface="+mn-cs"/>
+              </a:defRPr>
+            </a:lvl8pPr>
+            <a:lvl9pPr marL="3657600" algn="l" defTabSz="914400" rtl="0" eaLnBrk="1" latinLnBrk="0" hangingPunct="1">
+              <a:defRPr sz="1800" kern="1200">
+                <a:solidFill>
+                  <a:schemeClr val="tx1"/>
+                </a:solidFill>
+                <a:latin typeface="+mn-lt"/>
+                <a:ea typeface="+mn-ea"/>
+                <a:cs typeface="+mn-cs"/>
+              </a:defRPr>
+            </a:lvl9pPr>
+          </a:lstStyle>
+          <a:p>
+            <a:pPr algn="l"/>
+            <a:r>
+              <a:rPr lang="th-TH" sz="2400" dirty="0">
+                <a:latin typeface="TH SarabunPSK" panose="020B0500040200020003" pitchFamily="34" charset="-34"/>
+                <a:cs typeface="TH SarabunPSK" panose="020B0500040200020003" pitchFamily="34" charset="-34"/>
+              </a:rPr>
+              <a:t>โดย ผศ</a:t>
+            </a:r>
+            <a:r>
+              <a:rPr lang="en-US" sz="2400" dirty="0">
+                <a:latin typeface="TH SarabunPSK" panose="020B0500040200020003" pitchFamily="34" charset="-34"/>
+                <a:cs typeface="TH SarabunPSK" panose="020B0500040200020003" pitchFamily="34" charset="-34"/>
+              </a:rPr>
+              <a:t>. </a:t>
+            </a:r>
+            <a:r>
+              <a:rPr lang="th-TH" sz="2400" dirty="0">
+                <a:latin typeface="TH SarabunPSK" panose="020B0500040200020003" pitchFamily="34" charset="-34"/>
+                <a:cs typeface="TH SarabunPSK" panose="020B0500040200020003" pitchFamily="34" charset="-34"/>
+              </a:rPr>
+              <a:t>ดร</a:t>
+            </a:r>
+            <a:r>
+              <a:rPr lang="en-US" sz="2400" dirty="0">
+                <a:latin typeface="TH SarabunPSK" panose="020B0500040200020003" pitchFamily="34" charset="-34"/>
+                <a:cs typeface="TH SarabunPSK" panose="020B0500040200020003" pitchFamily="34" charset="-34"/>
+              </a:rPr>
+              <a:t>.</a:t>
+            </a:r>
+            <a:r>
+              <a:rPr lang="th-TH" sz="2400" dirty="0">
+                <a:latin typeface="TH SarabunPSK" panose="020B0500040200020003" pitchFamily="34" charset="-34"/>
+                <a:cs typeface="TH SarabunPSK" panose="020B0500040200020003" pitchFamily="34" charset="-34"/>
+              </a:rPr>
+              <a:t>ธนพงศ์ อินทระ สาขาวิชาสถิติ มหาวิทยาลัยขอนแก่น </a:t>
+            </a:r>
+          </a:p>
+        </p:txBody>
+      </p:sp>
     </p:spTree>
     <p:extLst>
       <p:ext uri="{BB962C8B-B14F-4D97-AF65-F5344CB8AC3E}">
@@ -6837,6 +7485,168 @@
           </a:p>
         </p:txBody>
       </p:sp>
+      <p:sp>
+        <p:nvSpPr>
+          <p:cNvPr id="9" name="Content Placeholder 2">
+            <a:extLst>
+              <a:ext uri="{FF2B5EF4-FFF2-40B4-BE49-F238E27FC236}">
+                <a16:creationId xmlns:a16="http://schemas.microsoft.com/office/drawing/2014/main" id="{06717F0D-001A-6688-AAA0-0733B2FAD410}"/>
+              </a:ext>
+            </a:extLst>
+          </p:cNvPr>
+          <p:cNvSpPr txBox="1">
+            <a:spLocks/>
+          </p:cNvSpPr>
+          <p:nvPr/>
+        </p:nvSpPr>
+        <p:spPr>
+          <a:xfrm>
+            <a:off x="114677" y="6443633"/>
+            <a:ext cx="5410200" cy="414367"/>
+          </a:xfrm>
+          <a:prstGeom prst="rect">
+            <a:avLst/>
+          </a:prstGeom>
+        </p:spPr>
+        <p:txBody>
+          <a:bodyPr vert="horz" lIns="91440" tIns="45720" rIns="91440" bIns="45720" rtlCol="0">
+            <a:noAutofit/>
+          </a:bodyPr>
+          <a:lstStyle>
+            <a:defPPr>
+              <a:defRPr lang="en-US"/>
+            </a:defPPr>
+            <a:lvl1pPr marL="0" algn="l" defTabSz="914400" rtl="0" eaLnBrk="1" latinLnBrk="0" hangingPunct="1">
+              <a:defRPr sz="1800" kern="1200">
+                <a:solidFill>
+                  <a:schemeClr val="tx1"/>
+                </a:solidFill>
+                <a:latin typeface="+mn-lt"/>
+                <a:ea typeface="+mn-ea"/>
+                <a:cs typeface="+mn-cs"/>
+              </a:defRPr>
+            </a:lvl1pPr>
+            <a:lvl2pPr marL="457200" algn="l" defTabSz="914400" rtl="0" eaLnBrk="1" latinLnBrk="0" hangingPunct="1">
+              <a:defRPr sz="1800" kern="1200">
+                <a:solidFill>
+                  <a:schemeClr val="tx1"/>
+                </a:solidFill>
+                <a:latin typeface="+mn-lt"/>
+                <a:ea typeface="+mn-ea"/>
+                <a:cs typeface="+mn-cs"/>
+              </a:defRPr>
+            </a:lvl2pPr>
+            <a:lvl3pPr marL="914400" algn="l" defTabSz="914400" rtl="0" eaLnBrk="1" latinLnBrk="0" hangingPunct="1">
+              <a:defRPr sz="1800" kern="1200">
+                <a:solidFill>
+                  <a:schemeClr val="tx1"/>
+                </a:solidFill>
+                <a:latin typeface="+mn-lt"/>
+                <a:ea typeface="+mn-ea"/>
+                <a:cs typeface="+mn-cs"/>
+              </a:defRPr>
+            </a:lvl3pPr>
+            <a:lvl4pPr marL="1371600" algn="l" defTabSz="914400" rtl="0" eaLnBrk="1" latinLnBrk="0" hangingPunct="1">
+              <a:defRPr sz="1800" kern="1200">
+                <a:solidFill>
+                  <a:schemeClr val="tx1"/>
+                </a:solidFill>
+                <a:latin typeface="+mn-lt"/>
+                <a:ea typeface="+mn-ea"/>
+                <a:cs typeface="+mn-cs"/>
+              </a:defRPr>
+            </a:lvl4pPr>
+            <a:lvl5pPr marL="1828800" algn="l" defTabSz="914400" rtl="0" eaLnBrk="1" latinLnBrk="0" hangingPunct="1">
+              <a:defRPr sz="1800" kern="1200">
+                <a:solidFill>
+                  <a:schemeClr val="tx1"/>
+                </a:solidFill>
+                <a:latin typeface="+mn-lt"/>
+                <a:ea typeface="+mn-ea"/>
+                <a:cs typeface="+mn-cs"/>
+              </a:defRPr>
+            </a:lvl5pPr>
+            <a:lvl6pPr marL="2286000" algn="l" defTabSz="914400" rtl="0" eaLnBrk="1" latinLnBrk="0" hangingPunct="1">
+              <a:defRPr sz="1800" kern="1200">
+                <a:solidFill>
+                  <a:schemeClr val="tx1"/>
+                </a:solidFill>
+                <a:latin typeface="+mn-lt"/>
+                <a:ea typeface="+mn-ea"/>
+                <a:cs typeface="+mn-cs"/>
+              </a:defRPr>
+            </a:lvl6pPr>
+            <a:lvl7pPr marL="2743200" algn="l" defTabSz="914400" rtl="0" eaLnBrk="1" latinLnBrk="0" hangingPunct="1">
+              <a:defRPr sz="1800" kern="1200">
+                <a:solidFill>
+                  <a:schemeClr val="tx1"/>
+                </a:solidFill>
+                <a:latin typeface="+mn-lt"/>
+                <a:ea typeface="+mn-ea"/>
+                <a:cs typeface="+mn-cs"/>
+              </a:defRPr>
+            </a:lvl7pPr>
+            <a:lvl8pPr marL="3200400" algn="l" defTabSz="914400" rtl="0" eaLnBrk="1" latinLnBrk="0" hangingPunct="1">
+              <a:defRPr sz="1800" kern="1200">
+                <a:solidFill>
+                  <a:schemeClr val="tx1"/>
+                </a:solidFill>
+                <a:latin typeface="+mn-lt"/>
+                <a:ea typeface="+mn-ea"/>
+                <a:cs typeface="+mn-cs"/>
+              </a:defRPr>
+            </a:lvl8pPr>
+            <a:lvl9pPr marL="3657600" algn="l" defTabSz="914400" rtl="0" eaLnBrk="1" latinLnBrk="0" hangingPunct="1">
+              <a:defRPr sz="1800" kern="1200">
+                <a:solidFill>
+                  <a:schemeClr val="tx1"/>
+                </a:solidFill>
+                <a:latin typeface="+mn-lt"/>
+                <a:ea typeface="+mn-ea"/>
+                <a:cs typeface="+mn-cs"/>
+              </a:defRPr>
+            </a:lvl9pPr>
+          </a:lstStyle>
+          <a:p>
+            <a:pPr algn="l"/>
+            <a:r>
+              <a:rPr lang="th-TH" sz="2400" dirty="0">
+                <a:latin typeface="TH SarabunPSK" panose="020B0500040200020003" pitchFamily="34" charset="-34"/>
+                <a:cs typeface="TH SarabunPSK" panose="020B0500040200020003" pitchFamily="34" charset="-34"/>
+              </a:rPr>
+              <a:t>โดย ผศ</a:t>
+            </a:r>
+            <a:r>
+              <a:rPr lang="en-US" sz="2400" dirty="0">
+                <a:latin typeface="TH SarabunPSK" panose="020B0500040200020003" pitchFamily="34" charset="-34"/>
+                <a:cs typeface="TH SarabunPSK" panose="020B0500040200020003" pitchFamily="34" charset="-34"/>
+              </a:rPr>
+              <a:t>. </a:t>
+            </a:r>
+            <a:r>
+              <a:rPr lang="th-TH" sz="2400" dirty="0">
+                <a:latin typeface="TH SarabunPSK" panose="020B0500040200020003" pitchFamily="34" charset="-34"/>
+                <a:cs typeface="TH SarabunPSK" panose="020B0500040200020003" pitchFamily="34" charset="-34"/>
+              </a:rPr>
+              <a:t>ดร</a:t>
+            </a:r>
+            <a:r>
+              <a:rPr lang="en-US" sz="2400" dirty="0">
+                <a:latin typeface="TH SarabunPSK" panose="020B0500040200020003" pitchFamily="34" charset="-34"/>
+                <a:cs typeface="TH SarabunPSK" panose="020B0500040200020003" pitchFamily="34" charset="-34"/>
+              </a:rPr>
+              <a:t>.</a:t>
+            </a:r>
+            <a:r>
+              <a:rPr lang="th-TH" sz="2400" dirty="0">
+                <a:latin typeface="TH SarabunPSK" panose="020B0500040200020003" pitchFamily="34" charset="-34"/>
+                <a:cs typeface="TH SarabunPSK" panose="020B0500040200020003" pitchFamily="34" charset="-34"/>
+              </a:rPr>
+              <a:t>ธนพงศ์ อินทระ สาขาวิชาสถิติ มหาวิทยาลัยขอนแก่น </a:t>
+            </a:r>
+          </a:p>
+        </p:txBody>
+      </p:sp>
     </p:spTree>
     <p:extLst>
       <p:ext uri="{BB962C8B-B14F-4D97-AF65-F5344CB8AC3E}">
@@ -7468,6 +8278,168 @@
           </a:p>
         </p:txBody>
       </p:sp>
+      <p:sp>
+        <p:nvSpPr>
+          <p:cNvPr id="9" name="Content Placeholder 2">
+            <a:extLst>
+              <a:ext uri="{FF2B5EF4-FFF2-40B4-BE49-F238E27FC236}">
+                <a16:creationId xmlns:a16="http://schemas.microsoft.com/office/drawing/2014/main" id="{23C01799-BB34-F601-0A12-D42CE52D9557}"/>
+              </a:ext>
+            </a:extLst>
+          </p:cNvPr>
+          <p:cNvSpPr txBox="1">
+            <a:spLocks/>
+          </p:cNvSpPr>
+          <p:nvPr/>
+        </p:nvSpPr>
+        <p:spPr>
+          <a:xfrm>
+            <a:off x="114677" y="6443633"/>
+            <a:ext cx="5410200" cy="414367"/>
+          </a:xfrm>
+          <a:prstGeom prst="rect">
+            <a:avLst/>
+          </a:prstGeom>
+        </p:spPr>
+        <p:txBody>
+          <a:bodyPr vert="horz" lIns="91440" tIns="45720" rIns="91440" bIns="45720" rtlCol="0">
+            <a:noAutofit/>
+          </a:bodyPr>
+          <a:lstStyle>
+            <a:defPPr>
+              <a:defRPr lang="en-US"/>
+            </a:defPPr>
+            <a:lvl1pPr marL="0" algn="l" defTabSz="914400" rtl="0" eaLnBrk="1" latinLnBrk="0" hangingPunct="1">
+              <a:defRPr sz="1800" kern="1200">
+                <a:solidFill>
+                  <a:schemeClr val="tx1"/>
+                </a:solidFill>
+                <a:latin typeface="+mn-lt"/>
+                <a:ea typeface="+mn-ea"/>
+                <a:cs typeface="+mn-cs"/>
+              </a:defRPr>
+            </a:lvl1pPr>
+            <a:lvl2pPr marL="457200" algn="l" defTabSz="914400" rtl="0" eaLnBrk="1" latinLnBrk="0" hangingPunct="1">
+              <a:defRPr sz="1800" kern="1200">
+                <a:solidFill>
+                  <a:schemeClr val="tx1"/>
+                </a:solidFill>
+                <a:latin typeface="+mn-lt"/>
+                <a:ea typeface="+mn-ea"/>
+                <a:cs typeface="+mn-cs"/>
+              </a:defRPr>
+            </a:lvl2pPr>
+            <a:lvl3pPr marL="914400" algn="l" defTabSz="914400" rtl="0" eaLnBrk="1" latinLnBrk="0" hangingPunct="1">
+              <a:defRPr sz="1800" kern="1200">
+                <a:solidFill>
+                  <a:schemeClr val="tx1"/>
+                </a:solidFill>
+                <a:latin typeface="+mn-lt"/>
+                <a:ea typeface="+mn-ea"/>
+                <a:cs typeface="+mn-cs"/>
+              </a:defRPr>
+            </a:lvl3pPr>
+            <a:lvl4pPr marL="1371600" algn="l" defTabSz="914400" rtl="0" eaLnBrk="1" latinLnBrk="0" hangingPunct="1">
+              <a:defRPr sz="1800" kern="1200">
+                <a:solidFill>
+                  <a:schemeClr val="tx1"/>
+                </a:solidFill>
+                <a:latin typeface="+mn-lt"/>
+                <a:ea typeface="+mn-ea"/>
+                <a:cs typeface="+mn-cs"/>
+              </a:defRPr>
+            </a:lvl4pPr>
+            <a:lvl5pPr marL="1828800" algn="l" defTabSz="914400" rtl="0" eaLnBrk="1" latinLnBrk="0" hangingPunct="1">
+              <a:defRPr sz="1800" kern="1200">
+                <a:solidFill>
+                  <a:schemeClr val="tx1"/>
+                </a:solidFill>
+                <a:latin typeface="+mn-lt"/>
+                <a:ea typeface="+mn-ea"/>
+                <a:cs typeface="+mn-cs"/>
+              </a:defRPr>
+            </a:lvl5pPr>
+            <a:lvl6pPr marL="2286000" algn="l" defTabSz="914400" rtl="0" eaLnBrk="1" latinLnBrk="0" hangingPunct="1">
+              <a:defRPr sz="1800" kern="1200">
+                <a:solidFill>
+                  <a:schemeClr val="tx1"/>
+                </a:solidFill>
+                <a:latin typeface="+mn-lt"/>
+                <a:ea typeface="+mn-ea"/>
+                <a:cs typeface="+mn-cs"/>
+              </a:defRPr>
+            </a:lvl6pPr>
+            <a:lvl7pPr marL="2743200" algn="l" defTabSz="914400" rtl="0" eaLnBrk="1" latinLnBrk="0" hangingPunct="1">
+              <a:defRPr sz="1800" kern="1200">
+                <a:solidFill>
+                  <a:schemeClr val="tx1"/>
+                </a:solidFill>
+                <a:latin typeface="+mn-lt"/>
+                <a:ea typeface="+mn-ea"/>
+                <a:cs typeface="+mn-cs"/>
+              </a:defRPr>
+            </a:lvl7pPr>
+            <a:lvl8pPr marL="3200400" algn="l" defTabSz="914400" rtl="0" eaLnBrk="1" latinLnBrk="0" hangingPunct="1">
+              <a:defRPr sz="1800" kern="1200">
+                <a:solidFill>
+                  <a:schemeClr val="tx1"/>
+                </a:solidFill>
+                <a:latin typeface="+mn-lt"/>
+                <a:ea typeface="+mn-ea"/>
+                <a:cs typeface="+mn-cs"/>
+              </a:defRPr>
+            </a:lvl8pPr>
+            <a:lvl9pPr marL="3657600" algn="l" defTabSz="914400" rtl="0" eaLnBrk="1" latinLnBrk="0" hangingPunct="1">
+              <a:defRPr sz="1800" kern="1200">
+                <a:solidFill>
+                  <a:schemeClr val="tx1"/>
+                </a:solidFill>
+                <a:latin typeface="+mn-lt"/>
+                <a:ea typeface="+mn-ea"/>
+                <a:cs typeface="+mn-cs"/>
+              </a:defRPr>
+            </a:lvl9pPr>
+          </a:lstStyle>
+          <a:p>
+            <a:pPr algn="l"/>
+            <a:r>
+              <a:rPr lang="th-TH" sz="2400" dirty="0">
+                <a:latin typeface="TH SarabunPSK" panose="020B0500040200020003" pitchFamily="34" charset="-34"/>
+                <a:cs typeface="TH SarabunPSK" panose="020B0500040200020003" pitchFamily="34" charset="-34"/>
+              </a:rPr>
+              <a:t>โดย ผศ</a:t>
+            </a:r>
+            <a:r>
+              <a:rPr lang="en-US" sz="2400" dirty="0">
+                <a:latin typeface="TH SarabunPSK" panose="020B0500040200020003" pitchFamily="34" charset="-34"/>
+                <a:cs typeface="TH SarabunPSK" panose="020B0500040200020003" pitchFamily="34" charset="-34"/>
+              </a:rPr>
+              <a:t>. </a:t>
+            </a:r>
+            <a:r>
+              <a:rPr lang="th-TH" sz="2400" dirty="0">
+                <a:latin typeface="TH SarabunPSK" panose="020B0500040200020003" pitchFamily="34" charset="-34"/>
+                <a:cs typeface="TH SarabunPSK" panose="020B0500040200020003" pitchFamily="34" charset="-34"/>
+              </a:rPr>
+              <a:t>ดร</a:t>
+            </a:r>
+            <a:r>
+              <a:rPr lang="en-US" sz="2400" dirty="0">
+                <a:latin typeface="TH SarabunPSK" panose="020B0500040200020003" pitchFamily="34" charset="-34"/>
+                <a:cs typeface="TH SarabunPSK" panose="020B0500040200020003" pitchFamily="34" charset="-34"/>
+              </a:rPr>
+              <a:t>.</a:t>
+            </a:r>
+            <a:r>
+              <a:rPr lang="th-TH" sz="2400" dirty="0">
+                <a:latin typeface="TH SarabunPSK" panose="020B0500040200020003" pitchFamily="34" charset="-34"/>
+                <a:cs typeface="TH SarabunPSK" panose="020B0500040200020003" pitchFamily="34" charset="-34"/>
+              </a:rPr>
+              <a:t>ธนพงศ์ อินทระ สาขาวิชาสถิติ มหาวิทยาลัยขอนแก่น </a:t>
+            </a:r>
+          </a:p>
+        </p:txBody>
+      </p:sp>
     </p:spTree>
     <p:extLst>
       <p:ext uri="{BB962C8B-B14F-4D97-AF65-F5344CB8AC3E}">
@@ -8182,6 +9154,168 @@
           </a:p>
         </p:txBody>
       </p:sp>
+      <p:sp>
+        <p:nvSpPr>
+          <p:cNvPr id="9" name="Content Placeholder 2">
+            <a:extLst>
+              <a:ext uri="{FF2B5EF4-FFF2-40B4-BE49-F238E27FC236}">
+                <a16:creationId xmlns:a16="http://schemas.microsoft.com/office/drawing/2014/main" id="{2990E370-A4F3-CC2F-9D8B-189C42EF7F26}"/>
+              </a:ext>
+            </a:extLst>
+          </p:cNvPr>
+          <p:cNvSpPr txBox="1">
+            <a:spLocks/>
+          </p:cNvSpPr>
+          <p:nvPr/>
+        </p:nvSpPr>
+        <p:spPr>
+          <a:xfrm>
+            <a:off x="114677" y="6443633"/>
+            <a:ext cx="5410200" cy="414367"/>
+          </a:xfrm>
+          <a:prstGeom prst="rect">
+            <a:avLst/>
+          </a:prstGeom>
+        </p:spPr>
+        <p:txBody>
+          <a:bodyPr vert="horz" lIns="91440" tIns="45720" rIns="91440" bIns="45720" rtlCol="0">
+            <a:noAutofit/>
+          </a:bodyPr>
+          <a:lstStyle>
+            <a:defPPr>
+              <a:defRPr lang="en-US"/>
+            </a:defPPr>
+            <a:lvl1pPr marL="0" algn="l" defTabSz="914400" rtl="0" eaLnBrk="1" latinLnBrk="0" hangingPunct="1">
+              <a:defRPr sz="1800" kern="1200">
+                <a:solidFill>
+                  <a:schemeClr val="tx1"/>
+                </a:solidFill>
+                <a:latin typeface="+mn-lt"/>
+                <a:ea typeface="+mn-ea"/>
+                <a:cs typeface="+mn-cs"/>
+              </a:defRPr>
+            </a:lvl1pPr>
+            <a:lvl2pPr marL="457200" algn="l" defTabSz="914400" rtl="0" eaLnBrk="1" latinLnBrk="0" hangingPunct="1">
+              <a:defRPr sz="1800" kern="1200">
+                <a:solidFill>
+                  <a:schemeClr val="tx1"/>
+                </a:solidFill>
+                <a:latin typeface="+mn-lt"/>
+                <a:ea typeface="+mn-ea"/>
+                <a:cs typeface="+mn-cs"/>
+              </a:defRPr>
+            </a:lvl2pPr>
+            <a:lvl3pPr marL="914400" algn="l" defTabSz="914400" rtl="0" eaLnBrk="1" latinLnBrk="0" hangingPunct="1">
+              <a:defRPr sz="1800" kern="1200">
+                <a:solidFill>
+                  <a:schemeClr val="tx1"/>
+                </a:solidFill>
+                <a:latin typeface="+mn-lt"/>
+                <a:ea typeface="+mn-ea"/>
+                <a:cs typeface="+mn-cs"/>
+              </a:defRPr>
+            </a:lvl3pPr>
+            <a:lvl4pPr marL="1371600" algn="l" defTabSz="914400" rtl="0" eaLnBrk="1" latinLnBrk="0" hangingPunct="1">
+              <a:defRPr sz="1800" kern="1200">
+                <a:solidFill>
+                  <a:schemeClr val="tx1"/>
+                </a:solidFill>
+                <a:latin typeface="+mn-lt"/>
+                <a:ea typeface="+mn-ea"/>
+                <a:cs typeface="+mn-cs"/>
+              </a:defRPr>
+            </a:lvl4pPr>
+            <a:lvl5pPr marL="1828800" algn="l" defTabSz="914400" rtl="0" eaLnBrk="1" latinLnBrk="0" hangingPunct="1">
+              <a:defRPr sz="1800" kern="1200">
+                <a:solidFill>
+                  <a:schemeClr val="tx1"/>
+                </a:solidFill>
+                <a:latin typeface="+mn-lt"/>
+                <a:ea typeface="+mn-ea"/>
+                <a:cs typeface="+mn-cs"/>
+              </a:defRPr>
+            </a:lvl5pPr>
+            <a:lvl6pPr marL="2286000" algn="l" defTabSz="914400" rtl="0" eaLnBrk="1" latinLnBrk="0" hangingPunct="1">
+              <a:defRPr sz="1800" kern="1200">
+                <a:solidFill>
+                  <a:schemeClr val="tx1"/>
+                </a:solidFill>
+                <a:latin typeface="+mn-lt"/>
+                <a:ea typeface="+mn-ea"/>
+                <a:cs typeface="+mn-cs"/>
+              </a:defRPr>
+            </a:lvl6pPr>
+            <a:lvl7pPr marL="2743200" algn="l" defTabSz="914400" rtl="0" eaLnBrk="1" latinLnBrk="0" hangingPunct="1">
+              <a:defRPr sz="1800" kern="1200">
+                <a:solidFill>
+                  <a:schemeClr val="tx1"/>
+                </a:solidFill>
+                <a:latin typeface="+mn-lt"/>
+                <a:ea typeface="+mn-ea"/>
+                <a:cs typeface="+mn-cs"/>
+              </a:defRPr>
+            </a:lvl7pPr>
+            <a:lvl8pPr marL="3200400" algn="l" defTabSz="914400" rtl="0" eaLnBrk="1" latinLnBrk="0" hangingPunct="1">
+              <a:defRPr sz="1800" kern="1200">
+                <a:solidFill>
+                  <a:schemeClr val="tx1"/>
+                </a:solidFill>
+                <a:latin typeface="+mn-lt"/>
+                <a:ea typeface="+mn-ea"/>
+                <a:cs typeface="+mn-cs"/>
+              </a:defRPr>
+            </a:lvl8pPr>
+            <a:lvl9pPr marL="3657600" algn="l" defTabSz="914400" rtl="0" eaLnBrk="1" latinLnBrk="0" hangingPunct="1">
+              <a:defRPr sz="1800" kern="1200">
+                <a:solidFill>
+                  <a:schemeClr val="tx1"/>
+                </a:solidFill>
+                <a:latin typeface="+mn-lt"/>
+                <a:ea typeface="+mn-ea"/>
+                <a:cs typeface="+mn-cs"/>
+              </a:defRPr>
+            </a:lvl9pPr>
+          </a:lstStyle>
+          <a:p>
+            <a:pPr algn="l"/>
+            <a:r>
+              <a:rPr lang="th-TH" sz="2400" dirty="0">
+                <a:latin typeface="TH SarabunPSK" panose="020B0500040200020003" pitchFamily="34" charset="-34"/>
+                <a:cs typeface="TH SarabunPSK" panose="020B0500040200020003" pitchFamily="34" charset="-34"/>
+              </a:rPr>
+              <a:t>โดย ผศ</a:t>
+            </a:r>
+            <a:r>
+              <a:rPr lang="en-US" sz="2400" dirty="0">
+                <a:latin typeface="TH SarabunPSK" panose="020B0500040200020003" pitchFamily="34" charset="-34"/>
+                <a:cs typeface="TH SarabunPSK" panose="020B0500040200020003" pitchFamily="34" charset="-34"/>
+              </a:rPr>
+              <a:t>. </a:t>
+            </a:r>
+            <a:r>
+              <a:rPr lang="th-TH" sz="2400" dirty="0">
+                <a:latin typeface="TH SarabunPSK" panose="020B0500040200020003" pitchFamily="34" charset="-34"/>
+                <a:cs typeface="TH SarabunPSK" panose="020B0500040200020003" pitchFamily="34" charset="-34"/>
+              </a:rPr>
+              <a:t>ดร</a:t>
+            </a:r>
+            <a:r>
+              <a:rPr lang="en-US" sz="2400" dirty="0">
+                <a:latin typeface="TH SarabunPSK" panose="020B0500040200020003" pitchFamily="34" charset="-34"/>
+                <a:cs typeface="TH SarabunPSK" panose="020B0500040200020003" pitchFamily="34" charset="-34"/>
+              </a:rPr>
+              <a:t>.</a:t>
+            </a:r>
+            <a:r>
+              <a:rPr lang="th-TH" sz="2400" dirty="0">
+                <a:latin typeface="TH SarabunPSK" panose="020B0500040200020003" pitchFamily="34" charset="-34"/>
+                <a:cs typeface="TH SarabunPSK" panose="020B0500040200020003" pitchFamily="34" charset="-34"/>
+              </a:rPr>
+              <a:t>ธนพงศ์ อินทระ สาขาวิชาสถิติ มหาวิทยาลัยขอนแก่น </a:t>
+            </a:r>
+          </a:p>
+        </p:txBody>
+      </p:sp>
     </p:spTree>
     <p:extLst>
       <p:ext uri="{BB962C8B-B14F-4D97-AF65-F5344CB8AC3E}">
@@ -8710,6 +9844,168 @@
           </a:p>
         </p:txBody>
       </p:sp>
+      <p:sp>
+        <p:nvSpPr>
+          <p:cNvPr id="9" name="Content Placeholder 2">
+            <a:extLst>
+              <a:ext uri="{FF2B5EF4-FFF2-40B4-BE49-F238E27FC236}">
+                <a16:creationId xmlns:a16="http://schemas.microsoft.com/office/drawing/2014/main" id="{A29E307A-191D-6F24-0EB6-4A659DB8759F}"/>
+              </a:ext>
+            </a:extLst>
+          </p:cNvPr>
+          <p:cNvSpPr txBox="1">
+            <a:spLocks/>
+          </p:cNvSpPr>
+          <p:nvPr/>
+        </p:nvSpPr>
+        <p:spPr>
+          <a:xfrm>
+            <a:off x="114677" y="6443633"/>
+            <a:ext cx="5410200" cy="414367"/>
+          </a:xfrm>
+          <a:prstGeom prst="rect">
+            <a:avLst/>
+          </a:prstGeom>
+        </p:spPr>
+        <p:txBody>
+          <a:bodyPr vert="horz" lIns="91440" tIns="45720" rIns="91440" bIns="45720" rtlCol="0">
+            <a:noAutofit/>
+          </a:bodyPr>
+          <a:lstStyle>
+            <a:defPPr>
+              <a:defRPr lang="en-US"/>
+            </a:defPPr>
+            <a:lvl1pPr marL="0" algn="l" defTabSz="914400" rtl="0" eaLnBrk="1" latinLnBrk="0" hangingPunct="1">
+              <a:defRPr sz="1800" kern="1200">
+                <a:solidFill>
+                  <a:schemeClr val="tx1"/>
+                </a:solidFill>
+                <a:latin typeface="+mn-lt"/>
+                <a:ea typeface="+mn-ea"/>
+                <a:cs typeface="+mn-cs"/>
+              </a:defRPr>
+            </a:lvl1pPr>
+            <a:lvl2pPr marL="457200" algn="l" defTabSz="914400" rtl="0" eaLnBrk="1" latinLnBrk="0" hangingPunct="1">
+              <a:defRPr sz="1800" kern="1200">
+                <a:solidFill>
+                  <a:schemeClr val="tx1"/>
+                </a:solidFill>
+                <a:latin typeface="+mn-lt"/>
+                <a:ea typeface="+mn-ea"/>
+                <a:cs typeface="+mn-cs"/>
+              </a:defRPr>
+            </a:lvl2pPr>
+            <a:lvl3pPr marL="914400" algn="l" defTabSz="914400" rtl="0" eaLnBrk="1" latinLnBrk="0" hangingPunct="1">
+              <a:defRPr sz="1800" kern="1200">
+                <a:solidFill>
+                  <a:schemeClr val="tx1"/>
+                </a:solidFill>
+                <a:latin typeface="+mn-lt"/>
+                <a:ea typeface="+mn-ea"/>
+                <a:cs typeface="+mn-cs"/>
+              </a:defRPr>
+            </a:lvl3pPr>
+            <a:lvl4pPr marL="1371600" algn="l" defTabSz="914400" rtl="0" eaLnBrk="1" latinLnBrk="0" hangingPunct="1">
+              <a:defRPr sz="1800" kern="1200">
+                <a:solidFill>
+                  <a:schemeClr val="tx1"/>
+                </a:solidFill>
+                <a:latin typeface="+mn-lt"/>
+                <a:ea typeface="+mn-ea"/>
+                <a:cs typeface="+mn-cs"/>
+              </a:defRPr>
+            </a:lvl4pPr>
+            <a:lvl5pPr marL="1828800" algn="l" defTabSz="914400" rtl="0" eaLnBrk="1" latinLnBrk="0" hangingPunct="1">
+              <a:defRPr sz="1800" kern="1200">
+                <a:solidFill>
+                  <a:schemeClr val="tx1"/>
+                </a:solidFill>
+                <a:latin typeface="+mn-lt"/>
+                <a:ea typeface="+mn-ea"/>
+                <a:cs typeface="+mn-cs"/>
+              </a:defRPr>
+            </a:lvl5pPr>
+            <a:lvl6pPr marL="2286000" algn="l" defTabSz="914400" rtl="0" eaLnBrk="1" latinLnBrk="0" hangingPunct="1">
+              <a:defRPr sz="1800" kern="1200">
+                <a:solidFill>
+                  <a:schemeClr val="tx1"/>
+                </a:solidFill>
+                <a:latin typeface="+mn-lt"/>
+                <a:ea typeface="+mn-ea"/>
+                <a:cs typeface="+mn-cs"/>
+              </a:defRPr>
+            </a:lvl6pPr>
+            <a:lvl7pPr marL="2743200" algn="l" defTabSz="914400" rtl="0" eaLnBrk="1" latinLnBrk="0" hangingPunct="1">
+              <a:defRPr sz="1800" kern="1200">
+                <a:solidFill>
+                  <a:schemeClr val="tx1"/>
+                </a:solidFill>
+                <a:latin typeface="+mn-lt"/>
+                <a:ea typeface="+mn-ea"/>
+                <a:cs typeface="+mn-cs"/>
+              </a:defRPr>
+            </a:lvl7pPr>
+            <a:lvl8pPr marL="3200400" algn="l" defTabSz="914400" rtl="0" eaLnBrk="1" latinLnBrk="0" hangingPunct="1">
+              <a:defRPr sz="1800" kern="1200">
+                <a:solidFill>
+                  <a:schemeClr val="tx1"/>
+                </a:solidFill>
+                <a:latin typeface="+mn-lt"/>
+                <a:ea typeface="+mn-ea"/>
+                <a:cs typeface="+mn-cs"/>
+              </a:defRPr>
+            </a:lvl8pPr>
+            <a:lvl9pPr marL="3657600" algn="l" defTabSz="914400" rtl="0" eaLnBrk="1" latinLnBrk="0" hangingPunct="1">
+              <a:defRPr sz="1800" kern="1200">
+                <a:solidFill>
+                  <a:schemeClr val="tx1"/>
+                </a:solidFill>
+                <a:latin typeface="+mn-lt"/>
+                <a:ea typeface="+mn-ea"/>
+                <a:cs typeface="+mn-cs"/>
+              </a:defRPr>
+            </a:lvl9pPr>
+          </a:lstStyle>
+          <a:p>
+            <a:pPr algn="l"/>
+            <a:r>
+              <a:rPr lang="th-TH" sz="2400" dirty="0">
+                <a:latin typeface="TH SarabunPSK" panose="020B0500040200020003" pitchFamily="34" charset="-34"/>
+                <a:cs typeface="TH SarabunPSK" panose="020B0500040200020003" pitchFamily="34" charset="-34"/>
+              </a:rPr>
+              <a:t>โดย ผศ</a:t>
+            </a:r>
+            <a:r>
+              <a:rPr lang="en-US" sz="2400" dirty="0">
+                <a:latin typeface="TH SarabunPSK" panose="020B0500040200020003" pitchFamily="34" charset="-34"/>
+                <a:cs typeface="TH SarabunPSK" panose="020B0500040200020003" pitchFamily="34" charset="-34"/>
+              </a:rPr>
+              <a:t>. </a:t>
+            </a:r>
+            <a:r>
+              <a:rPr lang="th-TH" sz="2400" dirty="0">
+                <a:latin typeface="TH SarabunPSK" panose="020B0500040200020003" pitchFamily="34" charset="-34"/>
+                <a:cs typeface="TH SarabunPSK" panose="020B0500040200020003" pitchFamily="34" charset="-34"/>
+              </a:rPr>
+              <a:t>ดร</a:t>
+            </a:r>
+            <a:r>
+              <a:rPr lang="en-US" sz="2400" dirty="0">
+                <a:latin typeface="TH SarabunPSK" panose="020B0500040200020003" pitchFamily="34" charset="-34"/>
+                <a:cs typeface="TH SarabunPSK" panose="020B0500040200020003" pitchFamily="34" charset="-34"/>
+              </a:rPr>
+              <a:t>.</a:t>
+            </a:r>
+            <a:r>
+              <a:rPr lang="th-TH" sz="2400" dirty="0">
+                <a:latin typeface="TH SarabunPSK" panose="020B0500040200020003" pitchFamily="34" charset="-34"/>
+                <a:cs typeface="TH SarabunPSK" panose="020B0500040200020003" pitchFamily="34" charset="-34"/>
+              </a:rPr>
+              <a:t>ธนพงศ์ อินทระ สาขาวิชาสถิติ มหาวิทยาลัยขอนแก่น </a:t>
+            </a:r>
+          </a:p>
+        </p:txBody>
+      </p:sp>
     </p:spTree>
     <p:extLst>
       <p:ext uri="{BB962C8B-B14F-4D97-AF65-F5344CB8AC3E}">
@@ -9298,6 +10594,168 @@
           </a:p>
         </p:txBody>
       </p:sp>
+      <p:sp>
+        <p:nvSpPr>
+          <p:cNvPr id="9" name="Content Placeholder 2">
+            <a:extLst>
+              <a:ext uri="{FF2B5EF4-FFF2-40B4-BE49-F238E27FC236}">
+                <a16:creationId xmlns:a16="http://schemas.microsoft.com/office/drawing/2014/main" id="{A628860E-2AF2-9719-942B-F7CE5B685606}"/>
+              </a:ext>
+            </a:extLst>
+          </p:cNvPr>
+          <p:cNvSpPr txBox="1">
+            <a:spLocks/>
+          </p:cNvSpPr>
+          <p:nvPr/>
+        </p:nvSpPr>
+        <p:spPr>
+          <a:xfrm>
+            <a:off x="114677" y="6443633"/>
+            <a:ext cx="5410200" cy="414367"/>
+          </a:xfrm>
+          <a:prstGeom prst="rect">
+            <a:avLst/>
+          </a:prstGeom>
+        </p:spPr>
+        <p:txBody>
+          <a:bodyPr vert="horz" lIns="91440" tIns="45720" rIns="91440" bIns="45720" rtlCol="0">
+            <a:noAutofit/>
+          </a:bodyPr>
+          <a:lstStyle>
+            <a:defPPr>
+              <a:defRPr lang="en-US"/>
+            </a:defPPr>
+            <a:lvl1pPr marL="0" algn="l" defTabSz="914400" rtl="0" eaLnBrk="1" latinLnBrk="0" hangingPunct="1">
+              <a:defRPr sz="1800" kern="1200">
+                <a:solidFill>
+                  <a:schemeClr val="tx1"/>
+                </a:solidFill>
+                <a:latin typeface="+mn-lt"/>
+                <a:ea typeface="+mn-ea"/>
+                <a:cs typeface="+mn-cs"/>
+              </a:defRPr>
+            </a:lvl1pPr>
+            <a:lvl2pPr marL="457200" algn="l" defTabSz="914400" rtl="0" eaLnBrk="1" latinLnBrk="0" hangingPunct="1">
+              <a:defRPr sz="1800" kern="1200">
+                <a:solidFill>
+                  <a:schemeClr val="tx1"/>
+                </a:solidFill>
+                <a:latin typeface="+mn-lt"/>
+                <a:ea typeface="+mn-ea"/>
+                <a:cs typeface="+mn-cs"/>
+              </a:defRPr>
+            </a:lvl2pPr>
+            <a:lvl3pPr marL="914400" algn="l" defTabSz="914400" rtl="0" eaLnBrk="1" latinLnBrk="0" hangingPunct="1">
+              <a:defRPr sz="1800" kern="1200">
+                <a:solidFill>
+                  <a:schemeClr val="tx1"/>
+                </a:solidFill>
+                <a:latin typeface="+mn-lt"/>
+                <a:ea typeface="+mn-ea"/>
+                <a:cs typeface="+mn-cs"/>
+              </a:defRPr>
+            </a:lvl3pPr>
+            <a:lvl4pPr marL="1371600" algn="l" defTabSz="914400" rtl="0" eaLnBrk="1" latinLnBrk="0" hangingPunct="1">
+              <a:defRPr sz="1800" kern="1200">
+                <a:solidFill>
+                  <a:schemeClr val="tx1"/>
+                </a:solidFill>
+                <a:latin typeface="+mn-lt"/>
+                <a:ea typeface="+mn-ea"/>
+                <a:cs typeface="+mn-cs"/>
+              </a:defRPr>
+            </a:lvl4pPr>
+            <a:lvl5pPr marL="1828800" algn="l" defTabSz="914400" rtl="0" eaLnBrk="1" latinLnBrk="0" hangingPunct="1">
+              <a:defRPr sz="1800" kern="1200">
+                <a:solidFill>
+                  <a:schemeClr val="tx1"/>
+                </a:solidFill>
+                <a:latin typeface="+mn-lt"/>
+                <a:ea typeface="+mn-ea"/>
+                <a:cs typeface="+mn-cs"/>
+              </a:defRPr>
+            </a:lvl5pPr>
+            <a:lvl6pPr marL="2286000" algn="l" defTabSz="914400" rtl="0" eaLnBrk="1" latinLnBrk="0" hangingPunct="1">
+              <a:defRPr sz="1800" kern="1200">
+                <a:solidFill>
+                  <a:schemeClr val="tx1"/>
+                </a:solidFill>
+                <a:latin typeface="+mn-lt"/>
+                <a:ea typeface="+mn-ea"/>
+                <a:cs typeface="+mn-cs"/>
+              </a:defRPr>
+            </a:lvl6pPr>
+            <a:lvl7pPr marL="2743200" algn="l" defTabSz="914400" rtl="0" eaLnBrk="1" latinLnBrk="0" hangingPunct="1">
+              <a:defRPr sz="1800" kern="1200">
+                <a:solidFill>
+                  <a:schemeClr val="tx1"/>
+                </a:solidFill>
+                <a:latin typeface="+mn-lt"/>
+                <a:ea typeface="+mn-ea"/>
+                <a:cs typeface="+mn-cs"/>
+              </a:defRPr>
+            </a:lvl7pPr>
+            <a:lvl8pPr marL="3200400" algn="l" defTabSz="914400" rtl="0" eaLnBrk="1" latinLnBrk="0" hangingPunct="1">
+              <a:defRPr sz="1800" kern="1200">
+                <a:solidFill>
+                  <a:schemeClr val="tx1"/>
+                </a:solidFill>
+                <a:latin typeface="+mn-lt"/>
+                <a:ea typeface="+mn-ea"/>
+                <a:cs typeface="+mn-cs"/>
+              </a:defRPr>
+            </a:lvl8pPr>
+            <a:lvl9pPr marL="3657600" algn="l" defTabSz="914400" rtl="0" eaLnBrk="1" latinLnBrk="0" hangingPunct="1">
+              <a:defRPr sz="1800" kern="1200">
+                <a:solidFill>
+                  <a:schemeClr val="tx1"/>
+                </a:solidFill>
+                <a:latin typeface="+mn-lt"/>
+                <a:ea typeface="+mn-ea"/>
+                <a:cs typeface="+mn-cs"/>
+              </a:defRPr>
+            </a:lvl9pPr>
+          </a:lstStyle>
+          <a:p>
+            <a:pPr algn="l"/>
+            <a:r>
+              <a:rPr lang="th-TH" sz="2400" dirty="0">
+                <a:latin typeface="TH SarabunPSK" panose="020B0500040200020003" pitchFamily="34" charset="-34"/>
+                <a:cs typeface="TH SarabunPSK" panose="020B0500040200020003" pitchFamily="34" charset="-34"/>
+              </a:rPr>
+              <a:t>โดย ผศ</a:t>
+            </a:r>
+            <a:r>
+              <a:rPr lang="en-US" sz="2400" dirty="0">
+                <a:latin typeface="TH SarabunPSK" panose="020B0500040200020003" pitchFamily="34" charset="-34"/>
+                <a:cs typeface="TH SarabunPSK" panose="020B0500040200020003" pitchFamily="34" charset="-34"/>
+              </a:rPr>
+              <a:t>. </a:t>
+            </a:r>
+            <a:r>
+              <a:rPr lang="th-TH" sz="2400" dirty="0">
+                <a:latin typeface="TH SarabunPSK" panose="020B0500040200020003" pitchFamily="34" charset="-34"/>
+                <a:cs typeface="TH SarabunPSK" panose="020B0500040200020003" pitchFamily="34" charset="-34"/>
+              </a:rPr>
+              <a:t>ดร</a:t>
+            </a:r>
+            <a:r>
+              <a:rPr lang="en-US" sz="2400" dirty="0">
+                <a:latin typeface="TH SarabunPSK" panose="020B0500040200020003" pitchFamily="34" charset="-34"/>
+                <a:cs typeface="TH SarabunPSK" panose="020B0500040200020003" pitchFamily="34" charset="-34"/>
+              </a:rPr>
+              <a:t>.</a:t>
+            </a:r>
+            <a:r>
+              <a:rPr lang="th-TH" sz="2400" dirty="0">
+                <a:latin typeface="TH SarabunPSK" panose="020B0500040200020003" pitchFamily="34" charset="-34"/>
+                <a:cs typeface="TH SarabunPSK" panose="020B0500040200020003" pitchFamily="34" charset="-34"/>
+              </a:rPr>
+              <a:t>ธนพงศ์ อินทระ สาขาวิชาสถิติ มหาวิทยาลัยขอนแก่น </a:t>
+            </a:r>
+          </a:p>
+        </p:txBody>
+      </p:sp>
     </p:spTree>
     <p:extLst>
       <p:ext uri="{BB962C8B-B14F-4D97-AF65-F5344CB8AC3E}">
@@ -9890,6 +11348,168 @@
           </a:p>
         </p:txBody>
       </p:sp>
+      <p:sp>
+        <p:nvSpPr>
+          <p:cNvPr id="9" name="Content Placeholder 2">
+            <a:extLst>
+              <a:ext uri="{FF2B5EF4-FFF2-40B4-BE49-F238E27FC236}">
+                <a16:creationId xmlns:a16="http://schemas.microsoft.com/office/drawing/2014/main" id="{E15B9D47-9DEA-F94A-CFBF-0DAF2A277C26}"/>
+              </a:ext>
+            </a:extLst>
+          </p:cNvPr>
+          <p:cNvSpPr txBox="1">
+            <a:spLocks/>
+          </p:cNvSpPr>
+          <p:nvPr/>
+        </p:nvSpPr>
+        <p:spPr>
+          <a:xfrm>
+            <a:off x="114677" y="6443633"/>
+            <a:ext cx="5410200" cy="414367"/>
+          </a:xfrm>
+          <a:prstGeom prst="rect">
+            <a:avLst/>
+          </a:prstGeom>
+        </p:spPr>
+        <p:txBody>
+          <a:bodyPr vert="horz" lIns="91440" tIns="45720" rIns="91440" bIns="45720" rtlCol="0">
+            <a:noAutofit/>
+          </a:bodyPr>
+          <a:lstStyle>
+            <a:defPPr>
+              <a:defRPr lang="en-US"/>
+            </a:defPPr>
+            <a:lvl1pPr marL="0" algn="l" defTabSz="914400" rtl="0" eaLnBrk="1" latinLnBrk="0" hangingPunct="1">
+              <a:defRPr sz="1800" kern="1200">
+                <a:solidFill>
+                  <a:schemeClr val="tx1"/>
+                </a:solidFill>
+                <a:latin typeface="+mn-lt"/>
+                <a:ea typeface="+mn-ea"/>
+                <a:cs typeface="+mn-cs"/>
+              </a:defRPr>
+            </a:lvl1pPr>
+            <a:lvl2pPr marL="457200" algn="l" defTabSz="914400" rtl="0" eaLnBrk="1" latinLnBrk="0" hangingPunct="1">
+              <a:defRPr sz="1800" kern="1200">
+                <a:solidFill>
+                  <a:schemeClr val="tx1"/>
+                </a:solidFill>
+                <a:latin typeface="+mn-lt"/>
+                <a:ea typeface="+mn-ea"/>
+                <a:cs typeface="+mn-cs"/>
+              </a:defRPr>
+            </a:lvl2pPr>
+            <a:lvl3pPr marL="914400" algn="l" defTabSz="914400" rtl="0" eaLnBrk="1" latinLnBrk="0" hangingPunct="1">
+              <a:defRPr sz="1800" kern="1200">
+                <a:solidFill>
+                  <a:schemeClr val="tx1"/>
+                </a:solidFill>
+                <a:latin typeface="+mn-lt"/>
+                <a:ea typeface="+mn-ea"/>
+                <a:cs typeface="+mn-cs"/>
+              </a:defRPr>
+            </a:lvl3pPr>
+            <a:lvl4pPr marL="1371600" algn="l" defTabSz="914400" rtl="0" eaLnBrk="1" latinLnBrk="0" hangingPunct="1">
+              <a:defRPr sz="1800" kern="1200">
+                <a:solidFill>
+                  <a:schemeClr val="tx1"/>
+                </a:solidFill>
+                <a:latin typeface="+mn-lt"/>
+                <a:ea typeface="+mn-ea"/>
+                <a:cs typeface="+mn-cs"/>
+              </a:defRPr>
+            </a:lvl4pPr>
+            <a:lvl5pPr marL="1828800" algn="l" defTabSz="914400" rtl="0" eaLnBrk="1" latinLnBrk="0" hangingPunct="1">
+              <a:defRPr sz="1800" kern="1200">
+                <a:solidFill>
+                  <a:schemeClr val="tx1"/>
+                </a:solidFill>
+                <a:latin typeface="+mn-lt"/>
+                <a:ea typeface="+mn-ea"/>
+                <a:cs typeface="+mn-cs"/>
+              </a:defRPr>
+            </a:lvl5pPr>
+            <a:lvl6pPr marL="2286000" algn="l" defTabSz="914400" rtl="0" eaLnBrk="1" latinLnBrk="0" hangingPunct="1">
+              <a:defRPr sz="1800" kern="1200">
+                <a:solidFill>
+                  <a:schemeClr val="tx1"/>
+                </a:solidFill>
+                <a:latin typeface="+mn-lt"/>
+                <a:ea typeface="+mn-ea"/>
+                <a:cs typeface="+mn-cs"/>
+              </a:defRPr>
+            </a:lvl6pPr>
+            <a:lvl7pPr marL="2743200" algn="l" defTabSz="914400" rtl="0" eaLnBrk="1" latinLnBrk="0" hangingPunct="1">
+              <a:defRPr sz="1800" kern="1200">
+                <a:solidFill>
+                  <a:schemeClr val="tx1"/>
+                </a:solidFill>
+                <a:latin typeface="+mn-lt"/>
+                <a:ea typeface="+mn-ea"/>
+                <a:cs typeface="+mn-cs"/>
+              </a:defRPr>
+            </a:lvl7pPr>
+            <a:lvl8pPr marL="3200400" algn="l" defTabSz="914400" rtl="0" eaLnBrk="1" latinLnBrk="0" hangingPunct="1">
+              <a:defRPr sz="1800" kern="1200">
+                <a:solidFill>
+                  <a:schemeClr val="tx1"/>
+                </a:solidFill>
+                <a:latin typeface="+mn-lt"/>
+                <a:ea typeface="+mn-ea"/>
+                <a:cs typeface="+mn-cs"/>
+              </a:defRPr>
+            </a:lvl8pPr>
+            <a:lvl9pPr marL="3657600" algn="l" defTabSz="914400" rtl="0" eaLnBrk="1" latinLnBrk="0" hangingPunct="1">
+              <a:defRPr sz="1800" kern="1200">
+                <a:solidFill>
+                  <a:schemeClr val="tx1"/>
+                </a:solidFill>
+                <a:latin typeface="+mn-lt"/>
+                <a:ea typeface="+mn-ea"/>
+                <a:cs typeface="+mn-cs"/>
+              </a:defRPr>
+            </a:lvl9pPr>
+          </a:lstStyle>
+          <a:p>
+            <a:pPr algn="l"/>
+            <a:r>
+              <a:rPr lang="th-TH" sz="2400" dirty="0">
+                <a:latin typeface="TH SarabunPSK" panose="020B0500040200020003" pitchFamily="34" charset="-34"/>
+                <a:cs typeface="TH SarabunPSK" panose="020B0500040200020003" pitchFamily="34" charset="-34"/>
+              </a:rPr>
+              <a:t>โดย ผศ</a:t>
+            </a:r>
+            <a:r>
+              <a:rPr lang="en-US" sz="2400" dirty="0">
+                <a:latin typeface="TH SarabunPSK" panose="020B0500040200020003" pitchFamily="34" charset="-34"/>
+                <a:cs typeface="TH SarabunPSK" panose="020B0500040200020003" pitchFamily="34" charset="-34"/>
+              </a:rPr>
+              <a:t>. </a:t>
+            </a:r>
+            <a:r>
+              <a:rPr lang="th-TH" sz="2400" dirty="0">
+                <a:latin typeface="TH SarabunPSK" panose="020B0500040200020003" pitchFamily="34" charset="-34"/>
+                <a:cs typeface="TH SarabunPSK" panose="020B0500040200020003" pitchFamily="34" charset="-34"/>
+              </a:rPr>
+              <a:t>ดร</a:t>
+            </a:r>
+            <a:r>
+              <a:rPr lang="en-US" sz="2400" dirty="0">
+                <a:latin typeface="TH SarabunPSK" panose="020B0500040200020003" pitchFamily="34" charset="-34"/>
+                <a:cs typeface="TH SarabunPSK" panose="020B0500040200020003" pitchFamily="34" charset="-34"/>
+              </a:rPr>
+              <a:t>.</a:t>
+            </a:r>
+            <a:r>
+              <a:rPr lang="th-TH" sz="2400" dirty="0">
+                <a:latin typeface="TH SarabunPSK" panose="020B0500040200020003" pitchFamily="34" charset="-34"/>
+                <a:cs typeface="TH SarabunPSK" panose="020B0500040200020003" pitchFamily="34" charset="-34"/>
+              </a:rPr>
+              <a:t>ธนพงศ์ อินทระ สาขาวิชาสถิติ มหาวิทยาลัยขอนแก่น </a:t>
+            </a:r>
+          </a:p>
+        </p:txBody>
+      </p:sp>
     </p:spTree>
     <p:extLst>
       <p:ext uri="{BB962C8B-B14F-4D97-AF65-F5344CB8AC3E}">
@@ -10491,6 +12111,168 @@
           </a:p>
         </p:txBody>
       </p:sp>
+      <p:sp>
+        <p:nvSpPr>
+          <p:cNvPr id="10" name="Content Placeholder 2">
+            <a:extLst>
+              <a:ext uri="{FF2B5EF4-FFF2-40B4-BE49-F238E27FC236}">
+                <a16:creationId xmlns:a16="http://schemas.microsoft.com/office/drawing/2014/main" id="{7285D3C4-EF79-0272-9AD4-655751E28051}"/>
+              </a:ext>
+            </a:extLst>
+          </p:cNvPr>
+          <p:cNvSpPr txBox="1">
+            <a:spLocks/>
+          </p:cNvSpPr>
+          <p:nvPr/>
+        </p:nvSpPr>
+        <p:spPr>
+          <a:xfrm>
+            <a:off x="114677" y="6443633"/>
+            <a:ext cx="5410200" cy="414367"/>
+          </a:xfrm>
+          <a:prstGeom prst="rect">
+            <a:avLst/>
+          </a:prstGeom>
+        </p:spPr>
+        <p:txBody>
+          <a:bodyPr vert="horz" lIns="91440" tIns="45720" rIns="91440" bIns="45720" rtlCol="0">
+            <a:noAutofit/>
+          </a:bodyPr>
+          <a:lstStyle>
+            <a:defPPr>
+              <a:defRPr lang="en-US"/>
+            </a:defPPr>
+            <a:lvl1pPr marL="0" algn="l" defTabSz="914400" rtl="0" eaLnBrk="1" latinLnBrk="0" hangingPunct="1">
+              <a:defRPr sz="1800" kern="1200">
+                <a:solidFill>
+                  <a:schemeClr val="tx1"/>
+                </a:solidFill>
+                <a:latin typeface="+mn-lt"/>
+                <a:ea typeface="+mn-ea"/>
+                <a:cs typeface="+mn-cs"/>
+              </a:defRPr>
+            </a:lvl1pPr>
+            <a:lvl2pPr marL="457200" algn="l" defTabSz="914400" rtl="0" eaLnBrk="1" latinLnBrk="0" hangingPunct="1">
+              <a:defRPr sz="1800" kern="1200">
+                <a:solidFill>
+                  <a:schemeClr val="tx1"/>
+                </a:solidFill>
+                <a:latin typeface="+mn-lt"/>
+                <a:ea typeface="+mn-ea"/>
+                <a:cs typeface="+mn-cs"/>
+              </a:defRPr>
+            </a:lvl2pPr>
+            <a:lvl3pPr marL="914400" algn="l" defTabSz="914400" rtl="0" eaLnBrk="1" latinLnBrk="0" hangingPunct="1">
+              <a:defRPr sz="1800" kern="1200">
+                <a:solidFill>
+                  <a:schemeClr val="tx1"/>
+                </a:solidFill>
+                <a:latin typeface="+mn-lt"/>
+                <a:ea typeface="+mn-ea"/>
+                <a:cs typeface="+mn-cs"/>
+              </a:defRPr>
+            </a:lvl3pPr>
+            <a:lvl4pPr marL="1371600" algn="l" defTabSz="914400" rtl="0" eaLnBrk="1" latinLnBrk="0" hangingPunct="1">
+              <a:defRPr sz="1800" kern="1200">
+                <a:solidFill>
+                  <a:schemeClr val="tx1"/>
+                </a:solidFill>
+                <a:latin typeface="+mn-lt"/>
+                <a:ea typeface="+mn-ea"/>
+                <a:cs typeface="+mn-cs"/>
+              </a:defRPr>
+            </a:lvl4pPr>
+            <a:lvl5pPr marL="1828800" algn="l" defTabSz="914400" rtl="0" eaLnBrk="1" latinLnBrk="0" hangingPunct="1">
+              <a:defRPr sz="1800" kern="1200">
+                <a:solidFill>
+                  <a:schemeClr val="tx1"/>
+                </a:solidFill>
+                <a:latin typeface="+mn-lt"/>
+                <a:ea typeface="+mn-ea"/>
+                <a:cs typeface="+mn-cs"/>
+              </a:defRPr>
+            </a:lvl5pPr>
+            <a:lvl6pPr marL="2286000" algn="l" defTabSz="914400" rtl="0" eaLnBrk="1" latinLnBrk="0" hangingPunct="1">
+              <a:defRPr sz="1800" kern="1200">
+                <a:solidFill>
+                  <a:schemeClr val="tx1"/>
+                </a:solidFill>
+                <a:latin typeface="+mn-lt"/>
+                <a:ea typeface="+mn-ea"/>
+                <a:cs typeface="+mn-cs"/>
+              </a:defRPr>
+            </a:lvl6pPr>
+            <a:lvl7pPr marL="2743200" algn="l" defTabSz="914400" rtl="0" eaLnBrk="1" latinLnBrk="0" hangingPunct="1">
+              <a:defRPr sz="1800" kern="1200">
+                <a:solidFill>
+                  <a:schemeClr val="tx1"/>
+                </a:solidFill>
+                <a:latin typeface="+mn-lt"/>
+                <a:ea typeface="+mn-ea"/>
+                <a:cs typeface="+mn-cs"/>
+              </a:defRPr>
+            </a:lvl7pPr>
+            <a:lvl8pPr marL="3200400" algn="l" defTabSz="914400" rtl="0" eaLnBrk="1" latinLnBrk="0" hangingPunct="1">
+              <a:defRPr sz="1800" kern="1200">
+                <a:solidFill>
+                  <a:schemeClr val="tx1"/>
+                </a:solidFill>
+                <a:latin typeface="+mn-lt"/>
+                <a:ea typeface="+mn-ea"/>
+                <a:cs typeface="+mn-cs"/>
+              </a:defRPr>
+            </a:lvl8pPr>
+            <a:lvl9pPr marL="3657600" algn="l" defTabSz="914400" rtl="0" eaLnBrk="1" latinLnBrk="0" hangingPunct="1">
+              <a:defRPr sz="1800" kern="1200">
+                <a:solidFill>
+                  <a:schemeClr val="tx1"/>
+                </a:solidFill>
+                <a:latin typeface="+mn-lt"/>
+                <a:ea typeface="+mn-ea"/>
+                <a:cs typeface="+mn-cs"/>
+              </a:defRPr>
+            </a:lvl9pPr>
+          </a:lstStyle>
+          <a:p>
+            <a:pPr algn="l"/>
+            <a:r>
+              <a:rPr lang="th-TH" sz="2400" dirty="0">
+                <a:latin typeface="TH SarabunPSK" panose="020B0500040200020003" pitchFamily="34" charset="-34"/>
+                <a:cs typeface="TH SarabunPSK" panose="020B0500040200020003" pitchFamily="34" charset="-34"/>
+              </a:rPr>
+              <a:t>โดย ผศ</a:t>
+            </a:r>
+            <a:r>
+              <a:rPr lang="en-US" sz="2400" dirty="0">
+                <a:latin typeface="TH SarabunPSK" panose="020B0500040200020003" pitchFamily="34" charset="-34"/>
+                <a:cs typeface="TH SarabunPSK" panose="020B0500040200020003" pitchFamily="34" charset="-34"/>
+              </a:rPr>
+              <a:t>. </a:t>
+            </a:r>
+            <a:r>
+              <a:rPr lang="th-TH" sz="2400" dirty="0">
+                <a:latin typeface="TH SarabunPSK" panose="020B0500040200020003" pitchFamily="34" charset="-34"/>
+                <a:cs typeface="TH SarabunPSK" panose="020B0500040200020003" pitchFamily="34" charset="-34"/>
+              </a:rPr>
+              <a:t>ดร</a:t>
+            </a:r>
+            <a:r>
+              <a:rPr lang="en-US" sz="2400" dirty="0">
+                <a:latin typeface="TH SarabunPSK" panose="020B0500040200020003" pitchFamily="34" charset="-34"/>
+                <a:cs typeface="TH SarabunPSK" panose="020B0500040200020003" pitchFamily="34" charset="-34"/>
+              </a:rPr>
+              <a:t>.</a:t>
+            </a:r>
+            <a:r>
+              <a:rPr lang="th-TH" sz="2400" dirty="0">
+                <a:latin typeface="TH SarabunPSK" panose="020B0500040200020003" pitchFamily="34" charset="-34"/>
+                <a:cs typeface="TH SarabunPSK" panose="020B0500040200020003" pitchFamily="34" charset="-34"/>
+              </a:rPr>
+              <a:t>ธนพงศ์ อินทระ สาขาวิชาสถิติ มหาวิทยาลัยขอนแก่น </a:t>
+            </a:r>
+          </a:p>
+        </p:txBody>
+      </p:sp>
     </p:spTree>
     <p:extLst>
       <p:ext uri="{BB962C8B-B14F-4D97-AF65-F5344CB8AC3E}">
@@ -11023,6 +12805,168 @@
           </a:p>
         </p:txBody>
       </p:sp>
+      <p:sp>
+        <p:nvSpPr>
+          <p:cNvPr id="9" name="Content Placeholder 2">
+            <a:extLst>
+              <a:ext uri="{FF2B5EF4-FFF2-40B4-BE49-F238E27FC236}">
+                <a16:creationId xmlns:a16="http://schemas.microsoft.com/office/drawing/2014/main" id="{44295728-1CFF-7ED1-676A-454732B1E01A}"/>
+              </a:ext>
+            </a:extLst>
+          </p:cNvPr>
+          <p:cNvSpPr txBox="1">
+            <a:spLocks/>
+          </p:cNvSpPr>
+          <p:nvPr/>
+        </p:nvSpPr>
+        <p:spPr>
+          <a:xfrm>
+            <a:off x="114677" y="6443633"/>
+            <a:ext cx="5410200" cy="414367"/>
+          </a:xfrm>
+          <a:prstGeom prst="rect">
+            <a:avLst/>
+          </a:prstGeom>
+        </p:spPr>
+        <p:txBody>
+          <a:bodyPr vert="horz" lIns="91440" tIns="45720" rIns="91440" bIns="45720" rtlCol="0">
+            <a:noAutofit/>
+          </a:bodyPr>
+          <a:lstStyle>
+            <a:defPPr>
+              <a:defRPr lang="en-US"/>
+            </a:defPPr>
+            <a:lvl1pPr marL="0" algn="l" defTabSz="914400" rtl="0" eaLnBrk="1" latinLnBrk="0" hangingPunct="1">
+              <a:defRPr sz="1800" kern="1200">
+                <a:solidFill>
+                  <a:schemeClr val="tx1"/>
+                </a:solidFill>
+                <a:latin typeface="+mn-lt"/>
+                <a:ea typeface="+mn-ea"/>
+                <a:cs typeface="+mn-cs"/>
+              </a:defRPr>
+            </a:lvl1pPr>
+            <a:lvl2pPr marL="457200" algn="l" defTabSz="914400" rtl="0" eaLnBrk="1" latinLnBrk="0" hangingPunct="1">
+              <a:defRPr sz="1800" kern="1200">
+                <a:solidFill>
+                  <a:schemeClr val="tx1"/>
+                </a:solidFill>
+                <a:latin typeface="+mn-lt"/>
+                <a:ea typeface="+mn-ea"/>
+                <a:cs typeface="+mn-cs"/>
+              </a:defRPr>
+            </a:lvl2pPr>
+            <a:lvl3pPr marL="914400" algn="l" defTabSz="914400" rtl="0" eaLnBrk="1" latinLnBrk="0" hangingPunct="1">
+              <a:defRPr sz="1800" kern="1200">
+                <a:solidFill>
+                  <a:schemeClr val="tx1"/>
+                </a:solidFill>
+                <a:latin typeface="+mn-lt"/>
+                <a:ea typeface="+mn-ea"/>
+                <a:cs typeface="+mn-cs"/>
+              </a:defRPr>
+            </a:lvl3pPr>
+            <a:lvl4pPr marL="1371600" algn="l" defTabSz="914400" rtl="0" eaLnBrk="1" latinLnBrk="0" hangingPunct="1">
+              <a:defRPr sz="1800" kern="1200">
+                <a:solidFill>
+                  <a:schemeClr val="tx1"/>
+                </a:solidFill>
+                <a:latin typeface="+mn-lt"/>
+                <a:ea typeface="+mn-ea"/>
+                <a:cs typeface="+mn-cs"/>
+              </a:defRPr>
+            </a:lvl4pPr>
+            <a:lvl5pPr marL="1828800" algn="l" defTabSz="914400" rtl="0" eaLnBrk="1" latinLnBrk="0" hangingPunct="1">
+              <a:defRPr sz="1800" kern="1200">
+                <a:solidFill>
+                  <a:schemeClr val="tx1"/>
+                </a:solidFill>
+                <a:latin typeface="+mn-lt"/>
+                <a:ea typeface="+mn-ea"/>
+                <a:cs typeface="+mn-cs"/>
+              </a:defRPr>
+            </a:lvl5pPr>
+            <a:lvl6pPr marL="2286000" algn="l" defTabSz="914400" rtl="0" eaLnBrk="1" latinLnBrk="0" hangingPunct="1">
+              <a:defRPr sz="1800" kern="1200">
+                <a:solidFill>
+                  <a:schemeClr val="tx1"/>
+                </a:solidFill>
+                <a:latin typeface="+mn-lt"/>
+                <a:ea typeface="+mn-ea"/>
+                <a:cs typeface="+mn-cs"/>
+              </a:defRPr>
+            </a:lvl6pPr>
+            <a:lvl7pPr marL="2743200" algn="l" defTabSz="914400" rtl="0" eaLnBrk="1" latinLnBrk="0" hangingPunct="1">
+              <a:defRPr sz="1800" kern="1200">
+                <a:solidFill>
+                  <a:schemeClr val="tx1"/>
+                </a:solidFill>
+                <a:latin typeface="+mn-lt"/>
+                <a:ea typeface="+mn-ea"/>
+                <a:cs typeface="+mn-cs"/>
+              </a:defRPr>
+            </a:lvl7pPr>
+            <a:lvl8pPr marL="3200400" algn="l" defTabSz="914400" rtl="0" eaLnBrk="1" latinLnBrk="0" hangingPunct="1">
+              <a:defRPr sz="1800" kern="1200">
+                <a:solidFill>
+                  <a:schemeClr val="tx1"/>
+                </a:solidFill>
+                <a:latin typeface="+mn-lt"/>
+                <a:ea typeface="+mn-ea"/>
+                <a:cs typeface="+mn-cs"/>
+              </a:defRPr>
+            </a:lvl8pPr>
+            <a:lvl9pPr marL="3657600" algn="l" defTabSz="914400" rtl="0" eaLnBrk="1" latinLnBrk="0" hangingPunct="1">
+              <a:defRPr sz="1800" kern="1200">
+                <a:solidFill>
+                  <a:schemeClr val="tx1"/>
+                </a:solidFill>
+                <a:latin typeface="+mn-lt"/>
+                <a:ea typeface="+mn-ea"/>
+                <a:cs typeface="+mn-cs"/>
+              </a:defRPr>
+            </a:lvl9pPr>
+          </a:lstStyle>
+          <a:p>
+            <a:pPr algn="l"/>
+            <a:r>
+              <a:rPr lang="th-TH" sz="2400" dirty="0">
+                <a:latin typeface="TH SarabunPSK" panose="020B0500040200020003" pitchFamily="34" charset="-34"/>
+                <a:cs typeface="TH SarabunPSK" panose="020B0500040200020003" pitchFamily="34" charset="-34"/>
+              </a:rPr>
+              <a:t>โดย ผศ</a:t>
+            </a:r>
+            <a:r>
+              <a:rPr lang="en-US" sz="2400" dirty="0">
+                <a:latin typeface="TH SarabunPSK" panose="020B0500040200020003" pitchFamily="34" charset="-34"/>
+                <a:cs typeface="TH SarabunPSK" panose="020B0500040200020003" pitchFamily="34" charset="-34"/>
+              </a:rPr>
+              <a:t>. </a:t>
+            </a:r>
+            <a:r>
+              <a:rPr lang="th-TH" sz="2400" dirty="0">
+                <a:latin typeface="TH SarabunPSK" panose="020B0500040200020003" pitchFamily="34" charset="-34"/>
+                <a:cs typeface="TH SarabunPSK" panose="020B0500040200020003" pitchFamily="34" charset="-34"/>
+              </a:rPr>
+              <a:t>ดร</a:t>
+            </a:r>
+            <a:r>
+              <a:rPr lang="en-US" sz="2400" dirty="0">
+                <a:latin typeface="TH SarabunPSK" panose="020B0500040200020003" pitchFamily="34" charset="-34"/>
+                <a:cs typeface="TH SarabunPSK" panose="020B0500040200020003" pitchFamily="34" charset="-34"/>
+              </a:rPr>
+              <a:t>.</a:t>
+            </a:r>
+            <a:r>
+              <a:rPr lang="th-TH" sz="2400" dirty="0">
+                <a:latin typeface="TH SarabunPSK" panose="020B0500040200020003" pitchFamily="34" charset="-34"/>
+                <a:cs typeface="TH SarabunPSK" panose="020B0500040200020003" pitchFamily="34" charset="-34"/>
+              </a:rPr>
+              <a:t>ธนพงศ์ อินทระ สาขาวิชาสถิติ มหาวิทยาลัยขอนแก่น </a:t>
+            </a:r>
+          </a:p>
+        </p:txBody>
+      </p:sp>
     </p:spTree>
     <p:extLst>
       <p:ext uri="{BB962C8B-B14F-4D97-AF65-F5344CB8AC3E}">
@@ -11807,6 +13751,168 @@
           </a:p>
         </p:txBody>
       </p:sp>
+      <p:sp>
+        <p:nvSpPr>
+          <p:cNvPr id="10" name="Content Placeholder 2">
+            <a:extLst>
+              <a:ext uri="{FF2B5EF4-FFF2-40B4-BE49-F238E27FC236}">
+                <a16:creationId xmlns:a16="http://schemas.microsoft.com/office/drawing/2014/main" id="{24AE4709-1445-F98C-8233-BF4D2C5ADDAC}"/>
+              </a:ext>
+            </a:extLst>
+          </p:cNvPr>
+          <p:cNvSpPr txBox="1">
+            <a:spLocks/>
+          </p:cNvSpPr>
+          <p:nvPr/>
+        </p:nvSpPr>
+        <p:spPr>
+          <a:xfrm>
+            <a:off x="114677" y="6443633"/>
+            <a:ext cx="5410200" cy="414367"/>
+          </a:xfrm>
+          <a:prstGeom prst="rect">
+            <a:avLst/>
+          </a:prstGeom>
+        </p:spPr>
+        <p:txBody>
+          <a:bodyPr vert="horz" lIns="91440" tIns="45720" rIns="91440" bIns="45720" rtlCol="0">
+            <a:noAutofit/>
+          </a:bodyPr>
+          <a:lstStyle>
+            <a:defPPr>
+              <a:defRPr lang="en-US"/>
+            </a:defPPr>
+            <a:lvl1pPr marL="0" algn="l" defTabSz="914400" rtl="0" eaLnBrk="1" latinLnBrk="0" hangingPunct="1">
+              <a:defRPr sz="1800" kern="1200">
+                <a:solidFill>
+                  <a:schemeClr val="tx1"/>
+                </a:solidFill>
+                <a:latin typeface="+mn-lt"/>
+                <a:ea typeface="+mn-ea"/>
+                <a:cs typeface="+mn-cs"/>
+              </a:defRPr>
+            </a:lvl1pPr>
+            <a:lvl2pPr marL="457200" algn="l" defTabSz="914400" rtl="0" eaLnBrk="1" latinLnBrk="0" hangingPunct="1">
+              <a:defRPr sz="1800" kern="1200">
+                <a:solidFill>
+                  <a:schemeClr val="tx1"/>
+                </a:solidFill>
+                <a:latin typeface="+mn-lt"/>
+                <a:ea typeface="+mn-ea"/>
+                <a:cs typeface="+mn-cs"/>
+              </a:defRPr>
+            </a:lvl2pPr>
+            <a:lvl3pPr marL="914400" algn="l" defTabSz="914400" rtl="0" eaLnBrk="1" latinLnBrk="0" hangingPunct="1">
+              <a:defRPr sz="1800" kern="1200">
+                <a:solidFill>
+                  <a:schemeClr val="tx1"/>
+                </a:solidFill>
+                <a:latin typeface="+mn-lt"/>
+                <a:ea typeface="+mn-ea"/>
+                <a:cs typeface="+mn-cs"/>
+              </a:defRPr>
+            </a:lvl3pPr>
+            <a:lvl4pPr marL="1371600" algn="l" defTabSz="914400" rtl="0" eaLnBrk="1" latinLnBrk="0" hangingPunct="1">
+              <a:defRPr sz="1800" kern="1200">
+                <a:solidFill>
+                  <a:schemeClr val="tx1"/>
+                </a:solidFill>
+                <a:latin typeface="+mn-lt"/>
+                <a:ea typeface="+mn-ea"/>
+                <a:cs typeface="+mn-cs"/>
+              </a:defRPr>
+            </a:lvl4pPr>
+            <a:lvl5pPr marL="1828800" algn="l" defTabSz="914400" rtl="0" eaLnBrk="1" latinLnBrk="0" hangingPunct="1">
+              <a:defRPr sz="1800" kern="1200">
+                <a:solidFill>
+                  <a:schemeClr val="tx1"/>
+                </a:solidFill>
+                <a:latin typeface="+mn-lt"/>
+                <a:ea typeface="+mn-ea"/>
+                <a:cs typeface="+mn-cs"/>
+              </a:defRPr>
+            </a:lvl5pPr>
+            <a:lvl6pPr marL="2286000" algn="l" defTabSz="914400" rtl="0" eaLnBrk="1" latinLnBrk="0" hangingPunct="1">
+              <a:defRPr sz="1800" kern="1200">
+                <a:solidFill>
+                  <a:schemeClr val="tx1"/>
+                </a:solidFill>
+                <a:latin typeface="+mn-lt"/>
+                <a:ea typeface="+mn-ea"/>
+                <a:cs typeface="+mn-cs"/>
+              </a:defRPr>
+            </a:lvl6pPr>
+            <a:lvl7pPr marL="2743200" algn="l" defTabSz="914400" rtl="0" eaLnBrk="1" latinLnBrk="0" hangingPunct="1">
+              <a:defRPr sz="1800" kern="1200">
+                <a:solidFill>
+                  <a:schemeClr val="tx1"/>
+                </a:solidFill>
+                <a:latin typeface="+mn-lt"/>
+                <a:ea typeface="+mn-ea"/>
+                <a:cs typeface="+mn-cs"/>
+              </a:defRPr>
+            </a:lvl7pPr>
+            <a:lvl8pPr marL="3200400" algn="l" defTabSz="914400" rtl="0" eaLnBrk="1" latinLnBrk="0" hangingPunct="1">
+              <a:defRPr sz="1800" kern="1200">
+                <a:solidFill>
+                  <a:schemeClr val="tx1"/>
+                </a:solidFill>
+                <a:latin typeface="+mn-lt"/>
+                <a:ea typeface="+mn-ea"/>
+                <a:cs typeface="+mn-cs"/>
+              </a:defRPr>
+            </a:lvl8pPr>
+            <a:lvl9pPr marL="3657600" algn="l" defTabSz="914400" rtl="0" eaLnBrk="1" latinLnBrk="0" hangingPunct="1">
+              <a:defRPr sz="1800" kern="1200">
+                <a:solidFill>
+                  <a:schemeClr val="tx1"/>
+                </a:solidFill>
+                <a:latin typeface="+mn-lt"/>
+                <a:ea typeface="+mn-ea"/>
+                <a:cs typeface="+mn-cs"/>
+              </a:defRPr>
+            </a:lvl9pPr>
+          </a:lstStyle>
+          <a:p>
+            <a:pPr algn="l"/>
+            <a:r>
+              <a:rPr lang="th-TH" sz="2400" dirty="0">
+                <a:latin typeface="TH SarabunPSK" panose="020B0500040200020003" pitchFamily="34" charset="-34"/>
+                <a:cs typeface="TH SarabunPSK" panose="020B0500040200020003" pitchFamily="34" charset="-34"/>
+              </a:rPr>
+              <a:t>โดย ผศ</a:t>
+            </a:r>
+            <a:r>
+              <a:rPr lang="en-US" sz="2400" dirty="0">
+                <a:latin typeface="TH SarabunPSK" panose="020B0500040200020003" pitchFamily="34" charset="-34"/>
+                <a:cs typeface="TH SarabunPSK" panose="020B0500040200020003" pitchFamily="34" charset="-34"/>
+              </a:rPr>
+              <a:t>. </a:t>
+            </a:r>
+            <a:r>
+              <a:rPr lang="th-TH" sz="2400" dirty="0">
+                <a:latin typeface="TH SarabunPSK" panose="020B0500040200020003" pitchFamily="34" charset="-34"/>
+                <a:cs typeface="TH SarabunPSK" panose="020B0500040200020003" pitchFamily="34" charset="-34"/>
+              </a:rPr>
+              <a:t>ดร</a:t>
+            </a:r>
+            <a:r>
+              <a:rPr lang="en-US" sz="2400" dirty="0">
+                <a:latin typeface="TH SarabunPSK" panose="020B0500040200020003" pitchFamily="34" charset="-34"/>
+                <a:cs typeface="TH SarabunPSK" panose="020B0500040200020003" pitchFamily="34" charset="-34"/>
+              </a:rPr>
+              <a:t>.</a:t>
+            </a:r>
+            <a:r>
+              <a:rPr lang="th-TH" sz="2400" dirty="0">
+                <a:latin typeface="TH SarabunPSK" panose="020B0500040200020003" pitchFamily="34" charset="-34"/>
+                <a:cs typeface="TH SarabunPSK" panose="020B0500040200020003" pitchFamily="34" charset="-34"/>
+              </a:rPr>
+              <a:t>ธนพงศ์ อินทระ สาขาวิชาสถิติ มหาวิทยาลัยขอนแก่น </a:t>
+            </a:r>
+          </a:p>
+        </p:txBody>
+      </p:sp>
     </p:spTree>
     <p:extLst>
       <p:ext uri="{BB962C8B-B14F-4D97-AF65-F5344CB8AC3E}">
@@ -12619,6 +14725,168 @@
           </a:p>
         </p:txBody>
       </p:sp>
+      <p:sp>
+        <p:nvSpPr>
+          <p:cNvPr id="9" name="Content Placeholder 2">
+            <a:extLst>
+              <a:ext uri="{FF2B5EF4-FFF2-40B4-BE49-F238E27FC236}">
+                <a16:creationId xmlns:a16="http://schemas.microsoft.com/office/drawing/2014/main" id="{3A54BA16-2877-5301-639D-6438930581AB}"/>
+              </a:ext>
+            </a:extLst>
+          </p:cNvPr>
+          <p:cNvSpPr txBox="1">
+            <a:spLocks/>
+          </p:cNvSpPr>
+          <p:nvPr/>
+        </p:nvSpPr>
+        <p:spPr>
+          <a:xfrm>
+            <a:off x="114677" y="6443633"/>
+            <a:ext cx="5410200" cy="414367"/>
+          </a:xfrm>
+          <a:prstGeom prst="rect">
+            <a:avLst/>
+          </a:prstGeom>
+        </p:spPr>
+        <p:txBody>
+          <a:bodyPr vert="horz" lIns="91440" tIns="45720" rIns="91440" bIns="45720" rtlCol="0">
+            <a:noAutofit/>
+          </a:bodyPr>
+          <a:lstStyle>
+            <a:defPPr>
+              <a:defRPr lang="en-US"/>
+            </a:defPPr>
+            <a:lvl1pPr marL="0" algn="l" defTabSz="914400" rtl="0" eaLnBrk="1" latinLnBrk="0" hangingPunct="1">
+              <a:defRPr sz="1800" kern="1200">
+                <a:solidFill>
+                  <a:schemeClr val="tx1"/>
+                </a:solidFill>
+                <a:latin typeface="+mn-lt"/>
+                <a:ea typeface="+mn-ea"/>
+                <a:cs typeface="+mn-cs"/>
+              </a:defRPr>
+            </a:lvl1pPr>
+            <a:lvl2pPr marL="457200" algn="l" defTabSz="914400" rtl="0" eaLnBrk="1" latinLnBrk="0" hangingPunct="1">
+              <a:defRPr sz="1800" kern="1200">
+                <a:solidFill>
+                  <a:schemeClr val="tx1"/>
+                </a:solidFill>
+                <a:latin typeface="+mn-lt"/>
+                <a:ea typeface="+mn-ea"/>
+                <a:cs typeface="+mn-cs"/>
+              </a:defRPr>
+            </a:lvl2pPr>
+            <a:lvl3pPr marL="914400" algn="l" defTabSz="914400" rtl="0" eaLnBrk="1" latinLnBrk="0" hangingPunct="1">
+              <a:defRPr sz="1800" kern="1200">
+                <a:solidFill>
+                  <a:schemeClr val="tx1"/>
+                </a:solidFill>
+                <a:latin typeface="+mn-lt"/>
+                <a:ea typeface="+mn-ea"/>
+                <a:cs typeface="+mn-cs"/>
+              </a:defRPr>
+            </a:lvl3pPr>
+            <a:lvl4pPr marL="1371600" algn="l" defTabSz="914400" rtl="0" eaLnBrk="1" latinLnBrk="0" hangingPunct="1">
+              <a:defRPr sz="1800" kern="1200">
+                <a:solidFill>
+                  <a:schemeClr val="tx1"/>
+                </a:solidFill>
+                <a:latin typeface="+mn-lt"/>
+                <a:ea typeface="+mn-ea"/>
+                <a:cs typeface="+mn-cs"/>
+              </a:defRPr>
+            </a:lvl4pPr>
+            <a:lvl5pPr marL="1828800" algn="l" defTabSz="914400" rtl="0" eaLnBrk="1" latinLnBrk="0" hangingPunct="1">
+              <a:defRPr sz="1800" kern="1200">
+                <a:solidFill>
+                  <a:schemeClr val="tx1"/>
+                </a:solidFill>
+                <a:latin typeface="+mn-lt"/>
+                <a:ea typeface="+mn-ea"/>
+                <a:cs typeface="+mn-cs"/>
+              </a:defRPr>
+            </a:lvl5pPr>
+            <a:lvl6pPr marL="2286000" algn="l" defTabSz="914400" rtl="0" eaLnBrk="1" latinLnBrk="0" hangingPunct="1">
+              <a:defRPr sz="1800" kern="1200">
+                <a:solidFill>
+                  <a:schemeClr val="tx1"/>
+                </a:solidFill>
+                <a:latin typeface="+mn-lt"/>
+                <a:ea typeface="+mn-ea"/>
+                <a:cs typeface="+mn-cs"/>
+              </a:defRPr>
+            </a:lvl6pPr>
+            <a:lvl7pPr marL="2743200" algn="l" defTabSz="914400" rtl="0" eaLnBrk="1" latinLnBrk="0" hangingPunct="1">
+              <a:defRPr sz="1800" kern="1200">
+                <a:solidFill>
+                  <a:schemeClr val="tx1"/>
+                </a:solidFill>
+                <a:latin typeface="+mn-lt"/>
+                <a:ea typeface="+mn-ea"/>
+                <a:cs typeface="+mn-cs"/>
+              </a:defRPr>
+            </a:lvl7pPr>
+            <a:lvl8pPr marL="3200400" algn="l" defTabSz="914400" rtl="0" eaLnBrk="1" latinLnBrk="0" hangingPunct="1">
+              <a:defRPr sz="1800" kern="1200">
+                <a:solidFill>
+                  <a:schemeClr val="tx1"/>
+                </a:solidFill>
+                <a:latin typeface="+mn-lt"/>
+                <a:ea typeface="+mn-ea"/>
+                <a:cs typeface="+mn-cs"/>
+              </a:defRPr>
+            </a:lvl8pPr>
+            <a:lvl9pPr marL="3657600" algn="l" defTabSz="914400" rtl="0" eaLnBrk="1" latinLnBrk="0" hangingPunct="1">
+              <a:defRPr sz="1800" kern="1200">
+                <a:solidFill>
+                  <a:schemeClr val="tx1"/>
+                </a:solidFill>
+                <a:latin typeface="+mn-lt"/>
+                <a:ea typeface="+mn-ea"/>
+                <a:cs typeface="+mn-cs"/>
+              </a:defRPr>
+            </a:lvl9pPr>
+          </a:lstStyle>
+          <a:p>
+            <a:pPr algn="l"/>
+            <a:r>
+              <a:rPr lang="th-TH" sz="2400" dirty="0">
+                <a:latin typeface="TH SarabunPSK" panose="020B0500040200020003" pitchFamily="34" charset="-34"/>
+                <a:cs typeface="TH SarabunPSK" panose="020B0500040200020003" pitchFamily="34" charset="-34"/>
+              </a:rPr>
+              <a:t>โดย ผศ</a:t>
+            </a:r>
+            <a:r>
+              <a:rPr lang="en-US" sz="2400" dirty="0">
+                <a:latin typeface="TH SarabunPSK" panose="020B0500040200020003" pitchFamily="34" charset="-34"/>
+                <a:cs typeface="TH SarabunPSK" panose="020B0500040200020003" pitchFamily="34" charset="-34"/>
+              </a:rPr>
+              <a:t>. </a:t>
+            </a:r>
+            <a:r>
+              <a:rPr lang="th-TH" sz="2400" dirty="0">
+                <a:latin typeface="TH SarabunPSK" panose="020B0500040200020003" pitchFamily="34" charset="-34"/>
+                <a:cs typeface="TH SarabunPSK" panose="020B0500040200020003" pitchFamily="34" charset="-34"/>
+              </a:rPr>
+              <a:t>ดร</a:t>
+            </a:r>
+            <a:r>
+              <a:rPr lang="en-US" sz="2400" dirty="0">
+                <a:latin typeface="TH SarabunPSK" panose="020B0500040200020003" pitchFamily="34" charset="-34"/>
+                <a:cs typeface="TH SarabunPSK" panose="020B0500040200020003" pitchFamily="34" charset="-34"/>
+              </a:rPr>
+              <a:t>.</a:t>
+            </a:r>
+            <a:r>
+              <a:rPr lang="th-TH" sz="2400" dirty="0">
+                <a:latin typeface="TH SarabunPSK" panose="020B0500040200020003" pitchFamily="34" charset="-34"/>
+                <a:cs typeface="TH SarabunPSK" panose="020B0500040200020003" pitchFamily="34" charset="-34"/>
+              </a:rPr>
+              <a:t>ธนพงศ์ อินทระ สาขาวิชาสถิติ มหาวิทยาลัยขอนแก่น </a:t>
+            </a:r>
+          </a:p>
+        </p:txBody>
+      </p:sp>
     </p:spTree>
     <p:extLst>
       <p:ext uri="{BB962C8B-B14F-4D97-AF65-F5344CB8AC3E}">
@@ -13353,6 +15621,168 @@
           </a:p>
         </p:txBody>
       </p:sp>
+      <p:sp>
+        <p:nvSpPr>
+          <p:cNvPr id="9" name="Content Placeholder 2">
+            <a:extLst>
+              <a:ext uri="{FF2B5EF4-FFF2-40B4-BE49-F238E27FC236}">
+                <a16:creationId xmlns:a16="http://schemas.microsoft.com/office/drawing/2014/main" id="{1AC84713-9767-B633-63E4-A92A4DE1B11C}"/>
+              </a:ext>
+            </a:extLst>
+          </p:cNvPr>
+          <p:cNvSpPr txBox="1">
+            <a:spLocks/>
+          </p:cNvSpPr>
+          <p:nvPr/>
+        </p:nvSpPr>
+        <p:spPr>
+          <a:xfrm>
+            <a:off x="114677" y="6443633"/>
+            <a:ext cx="5410200" cy="414367"/>
+          </a:xfrm>
+          <a:prstGeom prst="rect">
+            <a:avLst/>
+          </a:prstGeom>
+        </p:spPr>
+        <p:txBody>
+          <a:bodyPr vert="horz" lIns="91440" tIns="45720" rIns="91440" bIns="45720" rtlCol="0">
+            <a:noAutofit/>
+          </a:bodyPr>
+          <a:lstStyle>
+            <a:defPPr>
+              <a:defRPr lang="en-US"/>
+            </a:defPPr>
+            <a:lvl1pPr marL="0" algn="l" defTabSz="914400" rtl="0" eaLnBrk="1" latinLnBrk="0" hangingPunct="1">
+              <a:defRPr sz="1800" kern="1200">
+                <a:solidFill>
+                  <a:schemeClr val="tx1"/>
+                </a:solidFill>
+                <a:latin typeface="+mn-lt"/>
+                <a:ea typeface="+mn-ea"/>
+                <a:cs typeface="+mn-cs"/>
+              </a:defRPr>
+            </a:lvl1pPr>
+            <a:lvl2pPr marL="457200" algn="l" defTabSz="914400" rtl="0" eaLnBrk="1" latinLnBrk="0" hangingPunct="1">
+              <a:defRPr sz="1800" kern="1200">
+                <a:solidFill>
+                  <a:schemeClr val="tx1"/>
+                </a:solidFill>
+                <a:latin typeface="+mn-lt"/>
+                <a:ea typeface="+mn-ea"/>
+                <a:cs typeface="+mn-cs"/>
+              </a:defRPr>
+            </a:lvl2pPr>
+            <a:lvl3pPr marL="914400" algn="l" defTabSz="914400" rtl="0" eaLnBrk="1" latinLnBrk="0" hangingPunct="1">
+              <a:defRPr sz="1800" kern="1200">
+                <a:solidFill>
+                  <a:schemeClr val="tx1"/>
+                </a:solidFill>
+                <a:latin typeface="+mn-lt"/>
+                <a:ea typeface="+mn-ea"/>
+                <a:cs typeface="+mn-cs"/>
+              </a:defRPr>
+            </a:lvl3pPr>
+            <a:lvl4pPr marL="1371600" algn="l" defTabSz="914400" rtl="0" eaLnBrk="1" latinLnBrk="0" hangingPunct="1">
+              <a:defRPr sz="1800" kern="1200">
+                <a:solidFill>
+                  <a:schemeClr val="tx1"/>
+                </a:solidFill>
+                <a:latin typeface="+mn-lt"/>
+                <a:ea typeface="+mn-ea"/>
+                <a:cs typeface="+mn-cs"/>
+              </a:defRPr>
+            </a:lvl4pPr>
+            <a:lvl5pPr marL="1828800" algn="l" defTabSz="914400" rtl="0" eaLnBrk="1" latinLnBrk="0" hangingPunct="1">
+              <a:defRPr sz="1800" kern="1200">
+                <a:solidFill>
+                  <a:schemeClr val="tx1"/>
+                </a:solidFill>
+                <a:latin typeface="+mn-lt"/>
+                <a:ea typeface="+mn-ea"/>
+                <a:cs typeface="+mn-cs"/>
+              </a:defRPr>
+            </a:lvl5pPr>
+            <a:lvl6pPr marL="2286000" algn="l" defTabSz="914400" rtl="0" eaLnBrk="1" latinLnBrk="0" hangingPunct="1">
+              <a:defRPr sz="1800" kern="1200">
+                <a:solidFill>
+                  <a:schemeClr val="tx1"/>
+                </a:solidFill>
+                <a:latin typeface="+mn-lt"/>
+                <a:ea typeface="+mn-ea"/>
+                <a:cs typeface="+mn-cs"/>
+              </a:defRPr>
+            </a:lvl6pPr>
+            <a:lvl7pPr marL="2743200" algn="l" defTabSz="914400" rtl="0" eaLnBrk="1" latinLnBrk="0" hangingPunct="1">
+              <a:defRPr sz="1800" kern="1200">
+                <a:solidFill>
+                  <a:schemeClr val="tx1"/>
+                </a:solidFill>
+                <a:latin typeface="+mn-lt"/>
+                <a:ea typeface="+mn-ea"/>
+                <a:cs typeface="+mn-cs"/>
+              </a:defRPr>
+            </a:lvl7pPr>
+            <a:lvl8pPr marL="3200400" algn="l" defTabSz="914400" rtl="0" eaLnBrk="1" latinLnBrk="0" hangingPunct="1">
+              <a:defRPr sz="1800" kern="1200">
+                <a:solidFill>
+                  <a:schemeClr val="tx1"/>
+                </a:solidFill>
+                <a:latin typeface="+mn-lt"/>
+                <a:ea typeface="+mn-ea"/>
+                <a:cs typeface="+mn-cs"/>
+              </a:defRPr>
+            </a:lvl8pPr>
+            <a:lvl9pPr marL="3657600" algn="l" defTabSz="914400" rtl="0" eaLnBrk="1" latinLnBrk="0" hangingPunct="1">
+              <a:defRPr sz="1800" kern="1200">
+                <a:solidFill>
+                  <a:schemeClr val="tx1"/>
+                </a:solidFill>
+                <a:latin typeface="+mn-lt"/>
+                <a:ea typeface="+mn-ea"/>
+                <a:cs typeface="+mn-cs"/>
+              </a:defRPr>
+            </a:lvl9pPr>
+          </a:lstStyle>
+          <a:p>
+            <a:pPr algn="l"/>
+            <a:r>
+              <a:rPr lang="th-TH" sz="2400" dirty="0">
+                <a:latin typeface="TH SarabunPSK" panose="020B0500040200020003" pitchFamily="34" charset="-34"/>
+                <a:cs typeface="TH SarabunPSK" panose="020B0500040200020003" pitchFamily="34" charset="-34"/>
+              </a:rPr>
+              <a:t>โดย ผศ</a:t>
+            </a:r>
+            <a:r>
+              <a:rPr lang="en-US" sz="2400" dirty="0">
+                <a:latin typeface="TH SarabunPSK" panose="020B0500040200020003" pitchFamily="34" charset="-34"/>
+                <a:cs typeface="TH SarabunPSK" panose="020B0500040200020003" pitchFamily="34" charset="-34"/>
+              </a:rPr>
+              <a:t>. </a:t>
+            </a:r>
+            <a:r>
+              <a:rPr lang="th-TH" sz="2400" dirty="0">
+                <a:latin typeface="TH SarabunPSK" panose="020B0500040200020003" pitchFamily="34" charset="-34"/>
+                <a:cs typeface="TH SarabunPSK" panose="020B0500040200020003" pitchFamily="34" charset="-34"/>
+              </a:rPr>
+              <a:t>ดร</a:t>
+            </a:r>
+            <a:r>
+              <a:rPr lang="en-US" sz="2400" dirty="0">
+                <a:latin typeface="TH SarabunPSK" panose="020B0500040200020003" pitchFamily="34" charset="-34"/>
+                <a:cs typeface="TH SarabunPSK" panose="020B0500040200020003" pitchFamily="34" charset="-34"/>
+              </a:rPr>
+              <a:t>.</a:t>
+            </a:r>
+            <a:r>
+              <a:rPr lang="th-TH" sz="2400" dirty="0">
+                <a:latin typeface="TH SarabunPSK" panose="020B0500040200020003" pitchFamily="34" charset="-34"/>
+                <a:cs typeface="TH SarabunPSK" panose="020B0500040200020003" pitchFamily="34" charset="-34"/>
+              </a:rPr>
+              <a:t>ธนพงศ์ อินทระ สาขาวิชาสถิติ มหาวิทยาลัยขอนแก่น </a:t>
+            </a:r>
+          </a:p>
+        </p:txBody>
+      </p:sp>
     </p:spTree>
     <p:extLst>
       <p:ext uri="{BB962C8B-B14F-4D97-AF65-F5344CB8AC3E}">
@@ -14083,6 +16513,168 @@
           </a:p>
         </p:txBody>
       </p:sp>
+      <p:sp>
+        <p:nvSpPr>
+          <p:cNvPr id="9" name="Content Placeholder 2">
+            <a:extLst>
+              <a:ext uri="{FF2B5EF4-FFF2-40B4-BE49-F238E27FC236}">
+                <a16:creationId xmlns:a16="http://schemas.microsoft.com/office/drawing/2014/main" id="{FE9E2788-E5D9-F551-B6DB-8FC5D47D2E56}"/>
+              </a:ext>
+            </a:extLst>
+          </p:cNvPr>
+          <p:cNvSpPr txBox="1">
+            <a:spLocks/>
+          </p:cNvSpPr>
+          <p:nvPr/>
+        </p:nvSpPr>
+        <p:spPr>
+          <a:xfrm>
+            <a:off x="114677" y="6443633"/>
+            <a:ext cx="5410200" cy="414367"/>
+          </a:xfrm>
+          <a:prstGeom prst="rect">
+            <a:avLst/>
+          </a:prstGeom>
+        </p:spPr>
+        <p:txBody>
+          <a:bodyPr vert="horz" lIns="91440" tIns="45720" rIns="91440" bIns="45720" rtlCol="0">
+            <a:noAutofit/>
+          </a:bodyPr>
+          <a:lstStyle>
+            <a:defPPr>
+              <a:defRPr lang="en-US"/>
+            </a:defPPr>
+            <a:lvl1pPr marL="0" algn="l" defTabSz="914400" rtl="0" eaLnBrk="1" latinLnBrk="0" hangingPunct="1">
+              <a:defRPr sz="1800" kern="1200">
+                <a:solidFill>
+                  <a:schemeClr val="tx1"/>
+                </a:solidFill>
+                <a:latin typeface="+mn-lt"/>
+                <a:ea typeface="+mn-ea"/>
+                <a:cs typeface="+mn-cs"/>
+              </a:defRPr>
+            </a:lvl1pPr>
+            <a:lvl2pPr marL="457200" algn="l" defTabSz="914400" rtl="0" eaLnBrk="1" latinLnBrk="0" hangingPunct="1">
+              <a:defRPr sz="1800" kern="1200">
+                <a:solidFill>
+                  <a:schemeClr val="tx1"/>
+                </a:solidFill>
+                <a:latin typeface="+mn-lt"/>
+                <a:ea typeface="+mn-ea"/>
+                <a:cs typeface="+mn-cs"/>
+              </a:defRPr>
+            </a:lvl2pPr>
+            <a:lvl3pPr marL="914400" algn="l" defTabSz="914400" rtl="0" eaLnBrk="1" latinLnBrk="0" hangingPunct="1">
+              <a:defRPr sz="1800" kern="1200">
+                <a:solidFill>
+                  <a:schemeClr val="tx1"/>
+                </a:solidFill>
+                <a:latin typeface="+mn-lt"/>
+                <a:ea typeface="+mn-ea"/>
+                <a:cs typeface="+mn-cs"/>
+              </a:defRPr>
+            </a:lvl3pPr>
+            <a:lvl4pPr marL="1371600" algn="l" defTabSz="914400" rtl="0" eaLnBrk="1" latinLnBrk="0" hangingPunct="1">
+              <a:defRPr sz="1800" kern="1200">
+                <a:solidFill>
+                  <a:schemeClr val="tx1"/>
+                </a:solidFill>
+                <a:latin typeface="+mn-lt"/>
+                <a:ea typeface="+mn-ea"/>
+                <a:cs typeface="+mn-cs"/>
+              </a:defRPr>
+            </a:lvl4pPr>
+            <a:lvl5pPr marL="1828800" algn="l" defTabSz="914400" rtl="0" eaLnBrk="1" latinLnBrk="0" hangingPunct="1">
+              <a:defRPr sz="1800" kern="1200">
+                <a:solidFill>
+                  <a:schemeClr val="tx1"/>
+                </a:solidFill>
+                <a:latin typeface="+mn-lt"/>
+                <a:ea typeface="+mn-ea"/>
+                <a:cs typeface="+mn-cs"/>
+              </a:defRPr>
+            </a:lvl5pPr>
+            <a:lvl6pPr marL="2286000" algn="l" defTabSz="914400" rtl="0" eaLnBrk="1" latinLnBrk="0" hangingPunct="1">
+              <a:defRPr sz="1800" kern="1200">
+                <a:solidFill>
+                  <a:schemeClr val="tx1"/>
+                </a:solidFill>
+                <a:latin typeface="+mn-lt"/>
+                <a:ea typeface="+mn-ea"/>
+                <a:cs typeface="+mn-cs"/>
+              </a:defRPr>
+            </a:lvl6pPr>
+            <a:lvl7pPr marL="2743200" algn="l" defTabSz="914400" rtl="0" eaLnBrk="1" latinLnBrk="0" hangingPunct="1">
+              <a:defRPr sz="1800" kern="1200">
+                <a:solidFill>
+                  <a:schemeClr val="tx1"/>
+                </a:solidFill>
+                <a:latin typeface="+mn-lt"/>
+                <a:ea typeface="+mn-ea"/>
+                <a:cs typeface="+mn-cs"/>
+              </a:defRPr>
+            </a:lvl7pPr>
+            <a:lvl8pPr marL="3200400" algn="l" defTabSz="914400" rtl="0" eaLnBrk="1" latinLnBrk="0" hangingPunct="1">
+              <a:defRPr sz="1800" kern="1200">
+                <a:solidFill>
+                  <a:schemeClr val="tx1"/>
+                </a:solidFill>
+                <a:latin typeface="+mn-lt"/>
+                <a:ea typeface="+mn-ea"/>
+                <a:cs typeface="+mn-cs"/>
+              </a:defRPr>
+            </a:lvl8pPr>
+            <a:lvl9pPr marL="3657600" algn="l" defTabSz="914400" rtl="0" eaLnBrk="1" latinLnBrk="0" hangingPunct="1">
+              <a:defRPr sz="1800" kern="1200">
+                <a:solidFill>
+                  <a:schemeClr val="tx1"/>
+                </a:solidFill>
+                <a:latin typeface="+mn-lt"/>
+                <a:ea typeface="+mn-ea"/>
+                <a:cs typeface="+mn-cs"/>
+              </a:defRPr>
+            </a:lvl9pPr>
+          </a:lstStyle>
+          <a:p>
+            <a:pPr algn="l"/>
+            <a:r>
+              <a:rPr lang="th-TH" sz="2400" dirty="0">
+                <a:latin typeface="TH SarabunPSK" panose="020B0500040200020003" pitchFamily="34" charset="-34"/>
+                <a:cs typeface="TH SarabunPSK" panose="020B0500040200020003" pitchFamily="34" charset="-34"/>
+              </a:rPr>
+              <a:t>โดย ผศ</a:t>
+            </a:r>
+            <a:r>
+              <a:rPr lang="en-US" sz="2400" dirty="0">
+                <a:latin typeface="TH SarabunPSK" panose="020B0500040200020003" pitchFamily="34" charset="-34"/>
+                <a:cs typeface="TH SarabunPSK" panose="020B0500040200020003" pitchFamily="34" charset="-34"/>
+              </a:rPr>
+              <a:t>. </a:t>
+            </a:r>
+            <a:r>
+              <a:rPr lang="th-TH" sz="2400" dirty="0">
+                <a:latin typeface="TH SarabunPSK" panose="020B0500040200020003" pitchFamily="34" charset="-34"/>
+                <a:cs typeface="TH SarabunPSK" panose="020B0500040200020003" pitchFamily="34" charset="-34"/>
+              </a:rPr>
+              <a:t>ดร</a:t>
+            </a:r>
+            <a:r>
+              <a:rPr lang="en-US" sz="2400" dirty="0">
+                <a:latin typeface="TH SarabunPSK" panose="020B0500040200020003" pitchFamily="34" charset="-34"/>
+                <a:cs typeface="TH SarabunPSK" panose="020B0500040200020003" pitchFamily="34" charset="-34"/>
+              </a:rPr>
+              <a:t>.</a:t>
+            </a:r>
+            <a:r>
+              <a:rPr lang="th-TH" sz="2400" dirty="0">
+                <a:latin typeface="TH SarabunPSK" panose="020B0500040200020003" pitchFamily="34" charset="-34"/>
+                <a:cs typeface="TH SarabunPSK" panose="020B0500040200020003" pitchFamily="34" charset="-34"/>
+              </a:rPr>
+              <a:t>ธนพงศ์ อินทระ สาขาวิชาสถิติ มหาวิทยาลัยขอนแก่น </a:t>
+            </a:r>
+          </a:p>
+        </p:txBody>
+      </p:sp>
     </p:spTree>
     <p:extLst>
       <p:ext uri="{BB962C8B-B14F-4D97-AF65-F5344CB8AC3E}">
@@ -14722,6 +17314,168 @@
               <a:latin typeface="TH SarabunPSK" panose="020B0500040200020003" pitchFamily="34" charset="-34"/>
               <a:cs typeface="TH SarabunPSK" panose="020B0500040200020003" pitchFamily="34" charset="-34"/>
             </a:endParaRPr>
+          </a:p>
+        </p:txBody>
+      </p:sp>
+      <p:sp>
+        <p:nvSpPr>
+          <p:cNvPr id="9" name="Content Placeholder 2">
+            <a:extLst>
+              <a:ext uri="{FF2B5EF4-FFF2-40B4-BE49-F238E27FC236}">
+                <a16:creationId xmlns:a16="http://schemas.microsoft.com/office/drawing/2014/main" id="{3E7615B0-A71D-9F7F-5BEE-B09C2D621A61}"/>
+              </a:ext>
+            </a:extLst>
+          </p:cNvPr>
+          <p:cNvSpPr txBox="1">
+            <a:spLocks/>
+          </p:cNvSpPr>
+          <p:nvPr/>
+        </p:nvSpPr>
+        <p:spPr>
+          <a:xfrm>
+            <a:off x="114677" y="6443633"/>
+            <a:ext cx="5410200" cy="414367"/>
+          </a:xfrm>
+          <a:prstGeom prst="rect">
+            <a:avLst/>
+          </a:prstGeom>
+        </p:spPr>
+        <p:txBody>
+          <a:bodyPr vert="horz" lIns="91440" tIns="45720" rIns="91440" bIns="45720" rtlCol="0">
+            <a:noAutofit/>
+          </a:bodyPr>
+          <a:lstStyle>
+            <a:defPPr>
+              <a:defRPr lang="en-US"/>
+            </a:defPPr>
+            <a:lvl1pPr marL="0" algn="l" defTabSz="914400" rtl="0" eaLnBrk="1" latinLnBrk="0" hangingPunct="1">
+              <a:defRPr sz="1800" kern="1200">
+                <a:solidFill>
+                  <a:schemeClr val="tx1"/>
+                </a:solidFill>
+                <a:latin typeface="+mn-lt"/>
+                <a:ea typeface="+mn-ea"/>
+                <a:cs typeface="+mn-cs"/>
+              </a:defRPr>
+            </a:lvl1pPr>
+            <a:lvl2pPr marL="457200" algn="l" defTabSz="914400" rtl="0" eaLnBrk="1" latinLnBrk="0" hangingPunct="1">
+              <a:defRPr sz="1800" kern="1200">
+                <a:solidFill>
+                  <a:schemeClr val="tx1"/>
+                </a:solidFill>
+                <a:latin typeface="+mn-lt"/>
+                <a:ea typeface="+mn-ea"/>
+                <a:cs typeface="+mn-cs"/>
+              </a:defRPr>
+            </a:lvl2pPr>
+            <a:lvl3pPr marL="914400" algn="l" defTabSz="914400" rtl="0" eaLnBrk="1" latinLnBrk="0" hangingPunct="1">
+              <a:defRPr sz="1800" kern="1200">
+                <a:solidFill>
+                  <a:schemeClr val="tx1"/>
+                </a:solidFill>
+                <a:latin typeface="+mn-lt"/>
+                <a:ea typeface="+mn-ea"/>
+                <a:cs typeface="+mn-cs"/>
+              </a:defRPr>
+            </a:lvl3pPr>
+            <a:lvl4pPr marL="1371600" algn="l" defTabSz="914400" rtl="0" eaLnBrk="1" latinLnBrk="0" hangingPunct="1">
+              <a:defRPr sz="1800" kern="1200">
+                <a:solidFill>
+                  <a:schemeClr val="tx1"/>
+                </a:solidFill>
+                <a:latin typeface="+mn-lt"/>
+                <a:ea typeface="+mn-ea"/>
+                <a:cs typeface="+mn-cs"/>
+              </a:defRPr>
+            </a:lvl4pPr>
+            <a:lvl5pPr marL="1828800" algn="l" defTabSz="914400" rtl="0" eaLnBrk="1" latinLnBrk="0" hangingPunct="1">
+              <a:defRPr sz="1800" kern="1200">
+                <a:solidFill>
+                  <a:schemeClr val="tx1"/>
+                </a:solidFill>
+                <a:latin typeface="+mn-lt"/>
+                <a:ea typeface="+mn-ea"/>
+                <a:cs typeface="+mn-cs"/>
+              </a:defRPr>
+            </a:lvl5pPr>
+            <a:lvl6pPr marL="2286000" algn="l" defTabSz="914400" rtl="0" eaLnBrk="1" latinLnBrk="0" hangingPunct="1">
+              <a:defRPr sz="1800" kern="1200">
+                <a:solidFill>
+                  <a:schemeClr val="tx1"/>
+                </a:solidFill>
+                <a:latin typeface="+mn-lt"/>
+                <a:ea typeface="+mn-ea"/>
+                <a:cs typeface="+mn-cs"/>
+              </a:defRPr>
+            </a:lvl6pPr>
+            <a:lvl7pPr marL="2743200" algn="l" defTabSz="914400" rtl="0" eaLnBrk="1" latinLnBrk="0" hangingPunct="1">
+              <a:defRPr sz="1800" kern="1200">
+                <a:solidFill>
+                  <a:schemeClr val="tx1"/>
+                </a:solidFill>
+                <a:latin typeface="+mn-lt"/>
+                <a:ea typeface="+mn-ea"/>
+                <a:cs typeface="+mn-cs"/>
+              </a:defRPr>
+            </a:lvl7pPr>
+            <a:lvl8pPr marL="3200400" algn="l" defTabSz="914400" rtl="0" eaLnBrk="1" latinLnBrk="0" hangingPunct="1">
+              <a:defRPr sz="1800" kern="1200">
+                <a:solidFill>
+                  <a:schemeClr val="tx1"/>
+                </a:solidFill>
+                <a:latin typeface="+mn-lt"/>
+                <a:ea typeface="+mn-ea"/>
+                <a:cs typeface="+mn-cs"/>
+              </a:defRPr>
+            </a:lvl8pPr>
+            <a:lvl9pPr marL="3657600" algn="l" defTabSz="914400" rtl="0" eaLnBrk="1" latinLnBrk="0" hangingPunct="1">
+              <a:defRPr sz="1800" kern="1200">
+                <a:solidFill>
+                  <a:schemeClr val="tx1"/>
+                </a:solidFill>
+                <a:latin typeface="+mn-lt"/>
+                <a:ea typeface="+mn-ea"/>
+                <a:cs typeface="+mn-cs"/>
+              </a:defRPr>
+            </a:lvl9pPr>
+          </a:lstStyle>
+          <a:p>
+            <a:pPr algn="l"/>
+            <a:r>
+              <a:rPr lang="th-TH" sz="2400" dirty="0">
+                <a:latin typeface="TH SarabunPSK" panose="020B0500040200020003" pitchFamily="34" charset="-34"/>
+                <a:cs typeface="TH SarabunPSK" panose="020B0500040200020003" pitchFamily="34" charset="-34"/>
+              </a:rPr>
+              <a:t>โดย ผศ</a:t>
+            </a:r>
+            <a:r>
+              <a:rPr lang="en-US" sz="2400" dirty="0">
+                <a:latin typeface="TH SarabunPSK" panose="020B0500040200020003" pitchFamily="34" charset="-34"/>
+                <a:cs typeface="TH SarabunPSK" panose="020B0500040200020003" pitchFamily="34" charset="-34"/>
+              </a:rPr>
+              <a:t>. </a:t>
+            </a:r>
+            <a:r>
+              <a:rPr lang="th-TH" sz="2400" dirty="0">
+                <a:latin typeface="TH SarabunPSK" panose="020B0500040200020003" pitchFamily="34" charset="-34"/>
+                <a:cs typeface="TH SarabunPSK" panose="020B0500040200020003" pitchFamily="34" charset="-34"/>
+              </a:rPr>
+              <a:t>ดร</a:t>
+            </a:r>
+            <a:r>
+              <a:rPr lang="en-US" sz="2400" dirty="0">
+                <a:latin typeface="TH SarabunPSK" panose="020B0500040200020003" pitchFamily="34" charset="-34"/>
+                <a:cs typeface="TH SarabunPSK" panose="020B0500040200020003" pitchFamily="34" charset="-34"/>
+              </a:rPr>
+              <a:t>.</a:t>
+            </a:r>
+            <a:r>
+              <a:rPr lang="th-TH" sz="2400" dirty="0">
+                <a:latin typeface="TH SarabunPSK" panose="020B0500040200020003" pitchFamily="34" charset="-34"/>
+                <a:cs typeface="TH SarabunPSK" panose="020B0500040200020003" pitchFamily="34" charset="-34"/>
+              </a:rPr>
+              <a:t>ธนพงศ์ อินทระ สาขาวิชาสถิติ มหาวิทยาลัยขอนแก่น </a:t>
+            </a:r>
           </a:p>
         </p:txBody>
       </p:sp>
